--- a/Documentacion/02_Planificacion/Informe 002.pptx
+++ b/Documentacion/02_Planificacion/Informe 002.pptx
@@ -2,18 +2,19 @@
 <file path=ppt/presentation.xml><?xml version="1.0" encoding="utf-8"?>
 <p:presentation xmlns:a="http://schemas.openxmlformats.org/drawingml/2006/main" xmlns:r="http://schemas.openxmlformats.org/officeDocument/2006/relationships" xmlns:p="http://schemas.openxmlformats.org/presentationml/2006/main" saveSubsetFonts="1">
   <p:sldMasterIdLst>
-    <p:sldMasterId id="2147483648" r:id="rId1"/>
+    <p:sldMasterId id="2147483660" r:id="rId1"/>
   </p:sldMasterIdLst>
   <p:sldIdLst>
     <p:sldId id="256" r:id="rId2"/>
+    <p:sldId id="257" r:id="rId3"/>
   </p:sldIdLst>
   <p:sldSz cx="12192000" cy="6858000"/>
   <p:notesSz cx="6858000" cy="9144000"/>
   <p:defaultTextStyle>
     <a:defPPr>
-      <a:defRPr lang="es-PE"/>
+      <a:defRPr lang="en-US"/>
     </a:defPPr>
-    <a:lvl1pPr marL="0" algn="l" defTabSz="914400" rtl="0" eaLnBrk="1" latinLnBrk="0" hangingPunct="1">
+    <a:lvl1pPr marL="0" algn="l" defTabSz="457200" rtl="0" eaLnBrk="1" latinLnBrk="0" hangingPunct="1">
       <a:defRPr sz="1800" kern="1200">
         <a:solidFill>
           <a:schemeClr val="tx1"/>
@@ -23,7 +24,7 @@
         <a:cs typeface="+mn-cs"/>
       </a:defRPr>
     </a:lvl1pPr>
-    <a:lvl2pPr marL="457200" algn="l" defTabSz="914400" rtl="0" eaLnBrk="1" latinLnBrk="0" hangingPunct="1">
+    <a:lvl2pPr marL="457200" algn="l" defTabSz="457200" rtl="0" eaLnBrk="1" latinLnBrk="0" hangingPunct="1">
       <a:defRPr sz="1800" kern="1200">
         <a:solidFill>
           <a:schemeClr val="tx1"/>
@@ -33,7 +34,7 @@
         <a:cs typeface="+mn-cs"/>
       </a:defRPr>
     </a:lvl2pPr>
-    <a:lvl3pPr marL="914400" algn="l" defTabSz="914400" rtl="0" eaLnBrk="1" latinLnBrk="0" hangingPunct="1">
+    <a:lvl3pPr marL="914400" algn="l" defTabSz="457200" rtl="0" eaLnBrk="1" latinLnBrk="0" hangingPunct="1">
       <a:defRPr sz="1800" kern="1200">
         <a:solidFill>
           <a:schemeClr val="tx1"/>
@@ -43,7 +44,7 @@
         <a:cs typeface="+mn-cs"/>
       </a:defRPr>
     </a:lvl3pPr>
-    <a:lvl4pPr marL="1371600" algn="l" defTabSz="914400" rtl="0" eaLnBrk="1" latinLnBrk="0" hangingPunct="1">
+    <a:lvl4pPr marL="1371600" algn="l" defTabSz="457200" rtl="0" eaLnBrk="1" latinLnBrk="0" hangingPunct="1">
       <a:defRPr sz="1800" kern="1200">
         <a:solidFill>
           <a:schemeClr val="tx1"/>
@@ -53,7 +54,7 @@
         <a:cs typeface="+mn-cs"/>
       </a:defRPr>
     </a:lvl4pPr>
-    <a:lvl5pPr marL="1828800" algn="l" defTabSz="914400" rtl="0" eaLnBrk="1" latinLnBrk="0" hangingPunct="1">
+    <a:lvl5pPr marL="1828800" algn="l" defTabSz="457200" rtl="0" eaLnBrk="1" latinLnBrk="0" hangingPunct="1">
       <a:defRPr sz="1800" kern="1200">
         <a:solidFill>
           <a:schemeClr val="tx1"/>
@@ -63,7 +64,7 @@
         <a:cs typeface="+mn-cs"/>
       </a:defRPr>
     </a:lvl5pPr>
-    <a:lvl6pPr marL="2286000" algn="l" defTabSz="914400" rtl="0" eaLnBrk="1" latinLnBrk="0" hangingPunct="1">
+    <a:lvl6pPr marL="2286000" algn="l" defTabSz="457200" rtl="0" eaLnBrk="1" latinLnBrk="0" hangingPunct="1">
       <a:defRPr sz="1800" kern="1200">
         <a:solidFill>
           <a:schemeClr val="tx1"/>
@@ -73,7 +74,7 @@
         <a:cs typeface="+mn-cs"/>
       </a:defRPr>
     </a:lvl6pPr>
-    <a:lvl7pPr marL="2743200" algn="l" defTabSz="914400" rtl="0" eaLnBrk="1" latinLnBrk="0" hangingPunct="1">
+    <a:lvl7pPr marL="2743200" algn="l" defTabSz="457200" rtl="0" eaLnBrk="1" latinLnBrk="0" hangingPunct="1">
       <a:defRPr sz="1800" kern="1200">
         <a:solidFill>
           <a:schemeClr val="tx1"/>
@@ -83,7 +84,7 @@
         <a:cs typeface="+mn-cs"/>
       </a:defRPr>
     </a:lvl7pPr>
-    <a:lvl8pPr marL="3200400" algn="l" defTabSz="914400" rtl="0" eaLnBrk="1" latinLnBrk="0" hangingPunct="1">
+    <a:lvl8pPr marL="3200400" algn="l" defTabSz="457200" rtl="0" eaLnBrk="1" latinLnBrk="0" hangingPunct="1">
       <a:defRPr sz="1800" kern="1200">
         <a:solidFill>
           <a:schemeClr val="tx1"/>
@@ -93,7 +94,7 @@
         <a:cs typeface="+mn-cs"/>
       </a:defRPr>
     </a:lvl8pPr>
-    <a:lvl9pPr marL="3657600" algn="l" defTabSz="914400" rtl="0" eaLnBrk="1" latinLnBrk="0" hangingPunct="1">
+    <a:lvl9pPr marL="3657600" algn="l" defTabSz="457200" rtl="0" eaLnBrk="1" latinLnBrk="0" hangingPunct="1">
       <a:defRPr sz="1800" kern="1200">
         <a:solidFill>
           <a:schemeClr val="tx1"/>
@@ -104,6 +105,11 @@
       </a:defRPr>
     </a:lvl9pPr>
   </p:defaultTextStyle>
+  <p:extLst>
+    <p:ext uri="{EFAFB233-063F-42B5-8137-9DF3F51BA10A}">
+      <p15:sldGuideLst xmlns:p15="http://schemas.microsoft.com/office/powerpoint/2012/main"/>
+    </p:ext>
+  </p:extLst>
 </p:presentation>
 </file>
 
@@ -126,7 +132,7 @@
       </p:grpSpPr>
       <p:sp>
         <p:nvSpPr>
-          <p:cNvPr id="2" name="Título 1"/>
+          <p:cNvPr id="2" name="Title 1"/>
           <p:cNvSpPr>
             <a:spLocks noGrp="1"/>
           </p:cNvSpPr>
@@ -136,15 +142,17 @@
         </p:nvSpPr>
         <p:spPr>
           <a:xfrm>
-            <a:off x="1524000" y="1122363"/>
-            <a:ext cx="9144000" cy="2387600"/>
+            <a:off x="1595269" y="1122363"/>
+            <a:ext cx="9001462" cy="2387600"/>
           </a:xfrm>
         </p:spPr>
         <p:txBody>
-          <a:bodyPr anchor="b"/>
+          <a:bodyPr anchor="b">
+            <a:normAutofit/>
+          </a:bodyPr>
           <a:lstStyle>
             <a:lvl1pPr algn="ctr">
-              <a:defRPr sz="6000"/>
+              <a:defRPr sz="4800"/>
             </a:lvl1pPr>
           </a:lstStyle>
           <a:p>
@@ -152,13 +160,13 @@
               <a:rPr lang="es-ES" smtClean="0"/>
               <a:t>Haga clic para modificar el estilo de título del patrón</a:t>
             </a:r>
-            <a:endParaRPr lang="es-PE"/>
-          </a:p>
-        </p:txBody>
-      </p:sp>
-      <p:sp>
-        <p:nvSpPr>
-          <p:cNvPr id="3" name="Subtítulo 2"/>
+            <a:endParaRPr lang="en-US" dirty="0"/>
+          </a:p>
+        </p:txBody>
+      </p:sp>
+      <p:sp>
+        <p:nvSpPr>
+          <p:cNvPr id="3" name="Subtitle 2"/>
           <p:cNvSpPr>
             <a:spLocks noGrp="1"/>
           </p:cNvSpPr>
@@ -168,8 +176,8 @@
         </p:nvSpPr>
         <p:spPr>
           <a:xfrm>
-            <a:off x="1524000" y="3602038"/>
-            <a:ext cx="9144000" cy="1655762"/>
+            <a:off x="1595269" y="3602038"/>
+            <a:ext cx="9001462" cy="1655762"/>
           </a:xfrm>
         </p:spPr>
         <p:txBody>
@@ -217,13 +225,13 @@
               <a:rPr lang="es-ES" smtClean="0"/>
               <a:t>Haga clic para editar el estilo de subtítulo del patrón</a:t>
             </a:r>
-            <a:endParaRPr lang="es-PE"/>
-          </a:p>
-        </p:txBody>
-      </p:sp>
-      <p:sp>
-        <p:nvSpPr>
-          <p:cNvPr id="4" name="Marcador de fecha 3"/>
+            <a:endParaRPr lang="en-US" dirty="0"/>
+          </a:p>
+        </p:txBody>
+      </p:sp>
+      <p:sp>
+        <p:nvSpPr>
+          <p:cNvPr id="4" name="Date Placeholder 3"/>
           <p:cNvSpPr>
             <a:spLocks noGrp="1"/>
           </p:cNvSpPr>
@@ -246,7 +254,7 @@
       </p:sp>
       <p:sp>
         <p:nvSpPr>
-          <p:cNvPr id="5" name="Marcador de pie de página 4"/>
+          <p:cNvPr id="5" name="Footer Placeholder 4"/>
           <p:cNvSpPr>
             <a:spLocks noGrp="1"/>
           </p:cNvSpPr>
@@ -265,7 +273,7 @@
       </p:sp>
       <p:sp>
         <p:nvSpPr>
-          <p:cNvPr id="6" name="Marcador de número de diapositiva 5"/>
+          <p:cNvPr id="6" name="Slide Number Placeholder 5"/>
           <p:cNvSpPr>
             <a:spLocks noGrp="1"/>
           </p:cNvSpPr>
@@ -289,7 +297,7 @@
     </p:spTree>
     <p:extLst>
       <p:ext uri="{BB962C8B-B14F-4D97-AF65-F5344CB8AC3E}">
-        <p14:creationId xmlns:p14="http://schemas.microsoft.com/office/powerpoint/2010/main" val="1775898292"/>
+        <p14:creationId xmlns:p14="http://schemas.microsoft.com/office/powerpoint/2010/main" val="3099250252"/>
       </p:ext>
     </p:extLst>
   </p:cSld>
@@ -300,6 +308,2556 @@
 </file>
 
 <file path=ppt/slideLayouts/slideLayout10.xml><?xml version="1.0" encoding="utf-8"?>
+<p:sldLayout xmlns:a="http://schemas.openxmlformats.org/drawingml/2006/main" xmlns:r="http://schemas.openxmlformats.org/officeDocument/2006/relationships" xmlns:p="http://schemas.openxmlformats.org/presentationml/2006/main" preserve="1">
+  <p:cSld name="Imagen panorámica con descripción">
+    <p:spTree>
+      <p:nvGrpSpPr>
+        <p:cNvPr id="1" name=""/>
+        <p:cNvGrpSpPr/>
+        <p:nvPr/>
+      </p:nvGrpSpPr>
+      <p:grpSpPr>
+        <a:xfrm>
+          <a:off x="0" y="0"/>
+          <a:ext cx="0" cy="0"/>
+          <a:chOff x="0" y="0"/>
+          <a:chExt cx="0" cy="0"/>
+        </a:xfrm>
+      </p:grpSpPr>
+      <p:sp>
+        <p:nvSpPr>
+          <p:cNvPr id="2" name="Title 1"/>
+          <p:cNvSpPr>
+            <a:spLocks noGrp="1"/>
+          </p:cNvSpPr>
+          <p:nvPr>
+            <p:ph type="title"/>
+          </p:nvPr>
+        </p:nvSpPr>
+        <p:spPr>
+          <a:xfrm>
+            <a:off x="913806" y="4289372"/>
+            <a:ext cx="10367564" cy="819355"/>
+          </a:xfrm>
+        </p:spPr>
+        <p:txBody>
+          <a:bodyPr anchor="b">
+            <a:normAutofit/>
+          </a:bodyPr>
+          <a:lstStyle>
+            <a:lvl1pPr>
+              <a:defRPr sz="2800"/>
+            </a:lvl1pPr>
+          </a:lstStyle>
+          <a:p>
+            <a:r>
+              <a:rPr lang="es-ES" smtClean="0"/>
+              <a:t>Haga clic para modificar el estilo de título del patrón</a:t>
+            </a:r>
+            <a:endParaRPr lang="en-US" dirty="0"/>
+          </a:p>
+        </p:txBody>
+      </p:sp>
+      <p:sp>
+        <p:nvSpPr>
+          <p:cNvPr id="3" name="Picture Placeholder 2"/>
+          <p:cNvSpPr>
+            <a:spLocks noGrp="1" noChangeAspect="1"/>
+          </p:cNvSpPr>
+          <p:nvPr>
+            <p:ph type="pic" idx="1"/>
+          </p:nvPr>
+        </p:nvSpPr>
+        <p:spPr>
+          <a:xfrm>
+            <a:off x="913806" y="621321"/>
+            <a:ext cx="10367564" cy="3379735"/>
+          </a:xfrm>
+          <a:noFill/>
+          <a:ln w="190500" cap="sq">
+            <a:solidFill>
+              <a:srgbClr val="FFFFFF"/>
+            </a:solidFill>
+            <a:miter lim="800000"/>
+          </a:ln>
+          <a:effectLst>
+            <a:outerShdw blurRad="55000" dist="18000" dir="5400000" algn="tl" rotWithShape="0">
+              <a:srgbClr val="000000">
+                <a:alpha val="40000"/>
+              </a:srgbClr>
+            </a:outerShdw>
+          </a:effectLst>
+          <a:scene3d>
+            <a:camera prst="orthographicFront"/>
+            <a:lightRig rig="twoPt" dir="t">
+              <a:rot lat="0" lon="0" rev="7200000"/>
+            </a:lightRig>
+          </a:scene3d>
+          <a:sp3d>
+            <a:bevelT w="25400" h="19050"/>
+            <a:contourClr>
+              <a:srgbClr val="FFFFFF"/>
+            </a:contourClr>
+          </a:sp3d>
+        </p:spPr>
+        <p:txBody>
+          <a:bodyPr anchor="t"/>
+          <a:lstStyle>
+            <a:lvl1pPr marL="0" indent="0" algn="ctr">
+              <a:buNone/>
+              <a:defRPr sz="3200"/>
+            </a:lvl1pPr>
+            <a:lvl2pPr marL="457200" indent="0">
+              <a:buNone/>
+              <a:defRPr sz="2800"/>
+            </a:lvl2pPr>
+            <a:lvl3pPr marL="914400" indent="0">
+              <a:buNone/>
+              <a:defRPr sz="2400"/>
+            </a:lvl3pPr>
+            <a:lvl4pPr marL="1371600" indent="0">
+              <a:buNone/>
+              <a:defRPr sz="2000"/>
+            </a:lvl4pPr>
+            <a:lvl5pPr marL="1828800" indent="0">
+              <a:buNone/>
+              <a:defRPr sz="2000"/>
+            </a:lvl5pPr>
+            <a:lvl6pPr marL="2286000" indent="0">
+              <a:buNone/>
+              <a:defRPr sz="2000"/>
+            </a:lvl6pPr>
+            <a:lvl7pPr marL="2743200" indent="0">
+              <a:buNone/>
+              <a:defRPr sz="2000"/>
+            </a:lvl7pPr>
+            <a:lvl8pPr marL="3200400" indent="0">
+              <a:buNone/>
+              <a:defRPr sz="2000"/>
+            </a:lvl8pPr>
+            <a:lvl9pPr marL="3657600" indent="0">
+              <a:buNone/>
+              <a:defRPr sz="2000"/>
+            </a:lvl9pPr>
+          </a:lstStyle>
+          <a:p>
+            <a:r>
+              <a:rPr lang="es-ES" smtClean="0"/>
+              <a:t>Haga clic en el icono para agregar una imagen</a:t>
+            </a:r>
+            <a:endParaRPr lang="en-US" dirty="0"/>
+          </a:p>
+        </p:txBody>
+      </p:sp>
+      <p:sp>
+        <p:nvSpPr>
+          <p:cNvPr id="4" name="Text Placeholder 3"/>
+          <p:cNvSpPr>
+            <a:spLocks noGrp="1"/>
+          </p:cNvSpPr>
+          <p:nvPr>
+            <p:ph type="body" sz="half" idx="2"/>
+          </p:nvPr>
+        </p:nvSpPr>
+        <p:spPr>
+          <a:xfrm>
+            <a:off x="913795" y="5108728"/>
+            <a:ext cx="10365998" cy="682472"/>
+          </a:xfrm>
+        </p:spPr>
+        <p:txBody>
+          <a:bodyPr>
+            <a:normAutofit/>
+          </a:bodyPr>
+          <a:lstStyle>
+            <a:lvl1pPr marL="0" indent="0" algn="ctr">
+              <a:buNone/>
+              <a:defRPr sz="1800"/>
+            </a:lvl1pPr>
+            <a:lvl2pPr marL="457200" indent="0">
+              <a:buNone/>
+              <a:defRPr sz="1400"/>
+            </a:lvl2pPr>
+            <a:lvl3pPr marL="914400" indent="0">
+              <a:buNone/>
+              <a:defRPr sz="1200"/>
+            </a:lvl3pPr>
+            <a:lvl4pPr marL="1371600" indent="0">
+              <a:buNone/>
+              <a:defRPr sz="1000"/>
+            </a:lvl4pPr>
+            <a:lvl5pPr marL="1828800" indent="0">
+              <a:buNone/>
+              <a:defRPr sz="1000"/>
+            </a:lvl5pPr>
+            <a:lvl6pPr marL="2286000" indent="0">
+              <a:buNone/>
+              <a:defRPr sz="1000"/>
+            </a:lvl6pPr>
+            <a:lvl7pPr marL="2743200" indent="0">
+              <a:buNone/>
+              <a:defRPr sz="1000"/>
+            </a:lvl7pPr>
+            <a:lvl8pPr marL="3200400" indent="0">
+              <a:buNone/>
+              <a:defRPr sz="1000"/>
+            </a:lvl8pPr>
+            <a:lvl9pPr marL="3657600" indent="0">
+              <a:buNone/>
+              <a:defRPr sz="1000"/>
+            </a:lvl9pPr>
+          </a:lstStyle>
+          <a:p>
+            <a:pPr lvl="0"/>
+            <a:r>
+              <a:rPr lang="es-ES" smtClean="0"/>
+              <a:t>Editar el estilo de texto del patrón</a:t>
+            </a:r>
+          </a:p>
+        </p:txBody>
+      </p:sp>
+      <p:sp>
+        <p:nvSpPr>
+          <p:cNvPr id="5" name="Date Placeholder 4"/>
+          <p:cNvSpPr>
+            <a:spLocks noGrp="1"/>
+          </p:cNvSpPr>
+          <p:nvPr>
+            <p:ph type="dt" sz="half" idx="10"/>
+          </p:nvPr>
+        </p:nvSpPr>
+        <p:spPr/>
+        <p:txBody>
+          <a:bodyPr/>
+          <a:lstStyle/>
+          <a:p>
+            <a:fld id="{07E177AA-8092-49C7-A85C-E88A31873C61}" type="datetimeFigureOut">
+              <a:rPr lang="es-PE" smtClean="0"/>
+              <a:t>1/05/2017</a:t>
+            </a:fld>
+            <a:endParaRPr lang="es-PE"/>
+          </a:p>
+        </p:txBody>
+      </p:sp>
+      <p:sp>
+        <p:nvSpPr>
+          <p:cNvPr id="6" name="Footer Placeholder 5"/>
+          <p:cNvSpPr>
+            <a:spLocks noGrp="1"/>
+          </p:cNvSpPr>
+          <p:nvPr>
+            <p:ph type="ftr" sz="quarter" idx="11"/>
+          </p:nvPr>
+        </p:nvSpPr>
+        <p:spPr/>
+        <p:txBody>
+          <a:bodyPr/>
+          <a:lstStyle/>
+          <a:p>
+            <a:endParaRPr lang="es-PE"/>
+          </a:p>
+        </p:txBody>
+      </p:sp>
+      <p:sp>
+        <p:nvSpPr>
+          <p:cNvPr id="7" name="Slide Number Placeholder 6"/>
+          <p:cNvSpPr>
+            <a:spLocks noGrp="1"/>
+          </p:cNvSpPr>
+          <p:nvPr>
+            <p:ph type="sldNum" sz="quarter" idx="12"/>
+          </p:nvPr>
+        </p:nvSpPr>
+        <p:spPr/>
+        <p:txBody>
+          <a:bodyPr/>
+          <a:lstStyle/>
+          <a:p>
+            <a:fld id="{EC9B5324-4AAB-4C3F-BC9F-386E03D979F9}" type="slidenum">
+              <a:rPr lang="es-PE" smtClean="0"/>
+              <a:t>‹Nº›</a:t>
+            </a:fld>
+            <a:endParaRPr lang="es-PE"/>
+          </a:p>
+        </p:txBody>
+      </p:sp>
+    </p:spTree>
+    <p:extLst>
+      <p:ext uri="{BB962C8B-B14F-4D97-AF65-F5344CB8AC3E}">
+        <p14:creationId xmlns:p14="http://schemas.microsoft.com/office/powerpoint/2010/main" val="1542357771"/>
+      </p:ext>
+    </p:extLst>
+  </p:cSld>
+  <p:clrMapOvr>
+    <a:masterClrMapping/>
+  </p:clrMapOvr>
+</p:sldLayout>
+</file>
+
+<file path=ppt/slideLayouts/slideLayout11.xml><?xml version="1.0" encoding="utf-8"?>
+<p:sldLayout xmlns:a="http://schemas.openxmlformats.org/drawingml/2006/main" xmlns:r="http://schemas.openxmlformats.org/officeDocument/2006/relationships" xmlns:p="http://schemas.openxmlformats.org/presentationml/2006/main" preserve="1">
+  <p:cSld name="Título y descripción">
+    <p:spTree>
+      <p:nvGrpSpPr>
+        <p:cNvPr id="1" name=""/>
+        <p:cNvGrpSpPr/>
+        <p:nvPr/>
+      </p:nvGrpSpPr>
+      <p:grpSpPr>
+        <a:xfrm>
+          <a:off x="0" y="0"/>
+          <a:ext cx="0" cy="0"/>
+          <a:chOff x="0" y="0"/>
+          <a:chExt cx="0" cy="0"/>
+        </a:xfrm>
+      </p:grpSpPr>
+      <p:sp>
+        <p:nvSpPr>
+          <p:cNvPr id="2" name="Title 1"/>
+          <p:cNvSpPr>
+            <a:spLocks noGrp="1"/>
+          </p:cNvSpPr>
+          <p:nvPr>
+            <p:ph type="title"/>
+          </p:nvPr>
+        </p:nvSpPr>
+        <p:spPr>
+          <a:xfrm>
+            <a:off x="913795" y="609600"/>
+            <a:ext cx="10353762" cy="3424859"/>
+          </a:xfrm>
+        </p:spPr>
+        <p:txBody>
+          <a:bodyPr anchor="ctr"/>
+          <a:lstStyle>
+            <a:lvl1pPr>
+              <a:defRPr sz="3200"/>
+            </a:lvl1pPr>
+          </a:lstStyle>
+          <a:p>
+            <a:r>
+              <a:rPr lang="es-ES" smtClean="0"/>
+              <a:t>Haga clic para modificar el estilo de título del patrón</a:t>
+            </a:r>
+            <a:endParaRPr lang="en-US" dirty="0"/>
+          </a:p>
+        </p:txBody>
+      </p:sp>
+      <p:sp>
+        <p:nvSpPr>
+          <p:cNvPr id="4" name="Text Placeholder 3"/>
+          <p:cNvSpPr>
+            <a:spLocks noGrp="1"/>
+          </p:cNvSpPr>
+          <p:nvPr>
+            <p:ph type="body" sz="half" idx="2"/>
+          </p:nvPr>
+        </p:nvSpPr>
+        <p:spPr>
+          <a:xfrm>
+            <a:off x="913795" y="4204820"/>
+            <a:ext cx="10353761" cy="1592186"/>
+          </a:xfrm>
+        </p:spPr>
+        <p:txBody>
+          <a:bodyPr anchor="ctr"/>
+          <a:lstStyle>
+            <a:lvl1pPr marL="0" indent="0" algn="ctr">
+              <a:buNone/>
+              <a:defRPr sz="1600"/>
+            </a:lvl1pPr>
+            <a:lvl2pPr marL="457200" indent="0">
+              <a:buNone/>
+              <a:defRPr sz="1400"/>
+            </a:lvl2pPr>
+            <a:lvl3pPr marL="914400" indent="0">
+              <a:buNone/>
+              <a:defRPr sz="1200"/>
+            </a:lvl3pPr>
+            <a:lvl4pPr marL="1371600" indent="0">
+              <a:buNone/>
+              <a:defRPr sz="1000"/>
+            </a:lvl4pPr>
+            <a:lvl5pPr marL="1828800" indent="0">
+              <a:buNone/>
+              <a:defRPr sz="1000"/>
+            </a:lvl5pPr>
+            <a:lvl6pPr marL="2286000" indent="0">
+              <a:buNone/>
+              <a:defRPr sz="1000"/>
+            </a:lvl6pPr>
+            <a:lvl7pPr marL="2743200" indent="0">
+              <a:buNone/>
+              <a:defRPr sz="1000"/>
+            </a:lvl7pPr>
+            <a:lvl8pPr marL="3200400" indent="0">
+              <a:buNone/>
+              <a:defRPr sz="1000"/>
+            </a:lvl8pPr>
+            <a:lvl9pPr marL="3657600" indent="0">
+              <a:buNone/>
+              <a:defRPr sz="1000"/>
+            </a:lvl9pPr>
+          </a:lstStyle>
+          <a:p>
+            <a:pPr lvl="0"/>
+            <a:r>
+              <a:rPr lang="es-ES" smtClean="0"/>
+              <a:t>Editar el estilo de texto del patrón</a:t>
+            </a:r>
+          </a:p>
+        </p:txBody>
+      </p:sp>
+      <p:sp>
+        <p:nvSpPr>
+          <p:cNvPr id="5" name="Date Placeholder 4"/>
+          <p:cNvSpPr>
+            <a:spLocks noGrp="1"/>
+          </p:cNvSpPr>
+          <p:nvPr>
+            <p:ph type="dt" sz="half" idx="10"/>
+          </p:nvPr>
+        </p:nvSpPr>
+        <p:spPr/>
+        <p:txBody>
+          <a:bodyPr/>
+          <a:lstStyle/>
+          <a:p>
+            <a:fld id="{07E177AA-8092-49C7-A85C-E88A31873C61}" type="datetimeFigureOut">
+              <a:rPr lang="es-PE" smtClean="0"/>
+              <a:t>1/05/2017</a:t>
+            </a:fld>
+            <a:endParaRPr lang="es-PE"/>
+          </a:p>
+        </p:txBody>
+      </p:sp>
+      <p:sp>
+        <p:nvSpPr>
+          <p:cNvPr id="6" name="Footer Placeholder 5"/>
+          <p:cNvSpPr>
+            <a:spLocks noGrp="1"/>
+          </p:cNvSpPr>
+          <p:nvPr>
+            <p:ph type="ftr" sz="quarter" idx="11"/>
+          </p:nvPr>
+        </p:nvSpPr>
+        <p:spPr/>
+        <p:txBody>
+          <a:bodyPr/>
+          <a:lstStyle/>
+          <a:p>
+            <a:endParaRPr lang="es-PE"/>
+          </a:p>
+        </p:txBody>
+      </p:sp>
+      <p:sp>
+        <p:nvSpPr>
+          <p:cNvPr id="7" name="Slide Number Placeholder 6"/>
+          <p:cNvSpPr>
+            <a:spLocks noGrp="1"/>
+          </p:cNvSpPr>
+          <p:nvPr>
+            <p:ph type="sldNum" sz="quarter" idx="12"/>
+          </p:nvPr>
+        </p:nvSpPr>
+        <p:spPr/>
+        <p:txBody>
+          <a:bodyPr/>
+          <a:lstStyle/>
+          <a:p>
+            <a:fld id="{EC9B5324-4AAB-4C3F-BC9F-386E03D979F9}" type="slidenum">
+              <a:rPr lang="es-PE" smtClean="0"/>
+              <a:t>‹Nº›</a:t>
+            </a:fld>
+            <a:endParaRPr lang="es-PE"/>
+          </a:p>
+        </p:txBody>
+      </p:sp>
+    </p:spTree>
+    <p:extLst>
+      <p:ext uri="{BB962C8B-B14F-4D97-AF65-F5344CB8AC3E}">
+        <p14:creationId xmlns:p14="http://schemas.microsoft.com/office/powerpoint/2010/main" val="719609540"/>
+      </p:ext>
+    </p:extLst>
+  </p:cSld>
+  <p:clrMapOvr>
+    <a:masterClrMapping/>
+  </p:clrMapOvr>
+</p:sldLayout>
+</file>
+
+<file path=ppt/slideLayouts/slideLayout12.xml><?xml version="1.0" encoding="utf-8"?>
+<p:sldLayout xmlns:a="http://schemas.openxmlformats.org/drawingml/2006/main" xmlns:r="http://schemas.openxmlformats.org/officeDocument/2006/relationships" xmlns:p="http://schemas.openxmlformats.org/presentationml/2006/main" preserve="1">
+  <p:cSld name="Cita con descripción">
+    <p:spTree>
+      <p:nvGrpSpPr>
+        <p:cNvPr id="1" name=""/>
+        <p:cNvGrpSpPr/>
+        <p:nvPr/>
+      </p:nvGrpSpPr>
+      <p:grpSpPr>
+        <a:xfrm>
+          <a:off x="0" y="0"/>
+          <a:ext cx="0" cy="0"/>
+          <a:chOff x="0" y="0"/>
+          <a:chExt cx="0" cy="0"/>
+        </a:xfrm>
+      </p:grpSpPr>
+      <p:sp>
+        <p:nvSpPr>
+          <p:cNvPr id="2" name="Title 1"/>
+          <p:cNvSpPr>
+            <a:spLocks noGrp="1"/>
+          </p:cNvSpPr>
+          <p:nvPr>
+            <p:ph type="title"/>
+          </p:nvPr>
+        </p:nvSpPr>
+        <p:spPr>
+          <a:xfrm>
+            <a:off x="1446212" y="609600"/>
+            <a:ext cx="9302752" cy="2992904"/>
+          </a:xfrm>
+        </p:spPr>
+        <p:txBody>
+          <a:bodyPr anchor="ctr"/>
+          <a:lstStyle>
+            <a:lvl1pPr>
+              <a:defRPr sz="3200"/>
+            </a:lvl1pPr>
+          </a:lstStyle>
+          <a:p>
+            <a:r>
+              <a:rPr lang="es-ES" smtClean="0"/>
+              <a:t>Haga clic para modificar el estilo de título del patrón</a:t>
+            </a:r>
+            <a:endParaRPr lang="en-US" dirty="0"/>
+          </a:p>
+        </p:txBody>
+      </p:sp>
+      <p:sp>
+        <p:nvSpPr>
+          <p:cNvPr id="12" name="Text Placeholder 3"/>
+          <p:cNvSpPr>
+            <a:spLocks noGrp="1"/>
+          </p:cNvSpPr>
+          <p:nvPr>
+            <p:ph type="body" sz="half" idx="13"/>
+          </p:nvPr>
+        </p:nvSpPr>
+        <p:spPr>
+          <a:xfrm>
+            <a:off x="1720644" y="3610032"/>
+            <a:ext cx="8752299" cy="426812"/>
+          </a:xfrm>
+        </p:spPr>
+        <p:txBody>
+          <a:bodyPr anchor="t">
+            <a:normAutofit/>
+          </a:bodyPr>
+          <a:lstStyle>
+            <a:lvl1pPr marL="0" indent="0" algn="r">
+              <a:buNone/>
+              <a:defRPr sz="1400"/>
+            </a:lvl1pPr>
+            <a:lvl2pPr marL="457200" indent="0">
+              <a:buNone/>
+              <a:defRPr sz="1400"/>
+            </a:lvl2pPr>
+            <a:lvl3pPr marL="914400" indent="0">
+              <a:buNone/>
+              <a:defRPr sz="1200"/>
+            </a:lvl3pPr>
+            <a:lvl4pPr marL="1371600" indent="0">
+              <a:buNone/>
+              <a:defRPr sz="1000"/>
+            </a:lvl4pPr>
+            <a:lvl5pPr marL="1828800" indent="0">
+              <a:buNone/>
+              <a:defRPr sz="1000"/>
+            </a:lvl5pPr>
+            <a:lvl6pPr marL="2286000" indent="0">
+              <a:buNone/>
+              <a:defRPr sz="1000"/>
+            </a:lvl6pPr>
+            <a:lvl7pPr marL="2743200" indent="0">
+              <a:buNone/>
+              <a:defRPr sz="1000"/>
+            </a:lvl7pPr>
+            <a:lvl8pPr marL="3200400" indent="0">
+              <a:buNone/>
+              <a:defRPr sz="1000"/>
+            </a:lvl8pPr>
+            <a:lvl9pPr marL="3657600" indent="0">
+              <a:buNone/>
+              <a:defRPr sz="1000"/>
+            </a:lvl9pPr>
+          </a:lstStyle>
+          <a:p>
+            <a:pPr lvl="0"/>
+            <a:r>
+              <a:rPr lang="es-ES" smtClean="0"/>
+              <a:t>Editar el estilo de texto del patrón</a:t>
+            </a:r>
+          </a:p>
+        </p:txBody>
+      </p:sp>
+      <p:sp>
+        <p:nvSpPr>
+          <p:cNvPr id="4" name="Text Placeholder 3"/>
+          <p:cNvSpPr>
+            <a:spLocks noGrp="1"/>
+          </p:cNvSpPr>
+          <p:nvPr>
+            <p:ph type="body" sz="half" idx="2"/>
+          </p:nvPr>
+        </p:nvSpPr>
+        <p:spPr>
+          <a:xfrm>
+            <a:off x="913794" y="4204821"/>
+            <a:ext cx="10353762" cy="1586380"/>
+          </a:xfrm>
+        </p:spPr>
+        <p:txBody>
+          <a:bodyPr anchor="ctr">
+            <a:normAutofit/>
+          </a:bodyPr>
+          <a:lstStyle>
+            <a:lvl1pPr marL="0" indent="0" algn="ctr">
+              <a:buNone/>
+              <a:defRPr sz="1600"/>
+            </a:lvl1pPr>
+            <a:lvl2pPr marL="457200" indent="0">
+              <a:buNone/>
+              <a:defRPr sz="1400"/>
+            </a:lvl2pPr>
+            <a:lvl3pPr marL="914400" indent="0">
+              <a:buNone/>
+              <a:defRPr sz="1200"/>
+            </a:lvl3pPr>
+            <a:lvl4pPr marL="1371600" indent="0">
+              <a:buNone/>
+              <a:defRPr sz="1000"/>
+            </a:lvl4pPr>
+            <a:lvl5pPr marL="1828800" indent="0">
+              <a:buNone/>
+              <a:defRPr sz="1000"/>
+            </a:lvl5pPr>
+            <a:lvl6pPr marL="2286000" indent="0">
+              <a:buNone/>
+              <a:defRPr sz="1000"/>
+            </a:lvl6pPr>
+            <a:lvl7pPr marL="2743200" indent="0">
+              <a:buNone/>
+              <a:defRPr sz="1000"/>
+            </a:lvl7pPr>
+            <a:lvl8pPr marL="3200400" indent="0">
+              <a:buNone/>
+              <a:defRPr sz="1000"/>
+            </a:lvl8pPr>
+            <a:lvl9pPr marL="3657600" indent="0">
+              <a:buNone/>
+              <a:defRPr sz="1000"/>
+            </a:lvl9pPr>
+          </a:lstStyle>
+          <a:p>
+            <a:pPr lvl="0"/>
+            <a:r>
+              <a:rPr lang="es-ES" smtClean="0"/>
+              <a:t>Editar el estilo de texto del patrón</a:t>
+            </a:r>
+          </a:p>
+        </p:txBody>
+      </p:sp>
+      <p:sp>
+        <p:nvSpPr>
+          <p:cNvPr id="5" name="Date Placeholder 4"/>
+          <p:cNvSpPr>
+            <a:spLocks noGrp="1"/>
+          </p:cNvSpPr>
+          <p:nvPr>
+            <p:ph type="dt" sz="half" idx="10"/>
+          </p:nvPr>
+        </p:nvSpPr>
+        <p:spPr/>
+        <p:txBody>
+          <a:bodyPr/>
+          <a:lstStyle/>
+          <a:p>
+            <a:fld id="{07E177AA-8092-49C7-A85C-E88A31873C61}" type="datetimeFigureOut">
+              <a:rPr lang="es-PE" smtClean="0"/>
+              <a:t>1/05/2017</a:t>
+            </a:fld>
+            <a:endParaRPr lang="es-PE"/>
+          </a:p>
+        </p:txBody>
+      </p:sp>
+      <p:sp>
+        <p:nvSpPr>
+          <p:cNvPr id="6" name="Footer Placeholder 5"/>
+          <p:cNvSpPr>
+            <a:spLocks noGrp="1"/>
+          </p:cNvSpPr>
+          <p:nvPr>
+            <p:ph type="ftr" sz="quarter" idx="11"/>
+          </p:nvPr>
+        </p:nvSpPr>
+        <p:spPr/>
+        <p:txBody>
+          <a:bodyPr/>
+          <a:lstStyle/>
+          <a:p>
+            <a:endParaRPr lang="es-PE"/>
+          </a:p>
+        </p:txBody>
+      </p:sp>
+      <p:sp>
+        <p:nvSpPr>
+          <p:cNvPr id="7" name="Slide Number Placeholder 6"/>
+          <p:cNvSpPr>
+            <a:spLocks noGrp="1"/>
+          </p:cNvSpPr>
+          <p:nvPr>
+            <p:ph type="sldNum" sz="quarter" idx="12"/>
+          </p:nvPr>
+        </p:nvSpPr>
+        <p:spPr/>
+        <p:txBody>
+          <a:bodyPr/>
+          <a:lstStyle/>
+          <a:p>
+            <a:fld id="{EC9B5324-4AAB-4C3F-BC9F-386E03D979F9}" type="slidenum">
+              <a:rPr lang="es-PE" smtClean="0"/>
+              <a:t>‹Nº›</a:t>
+            </a:fld>
+            <a:endParaRPr lang="es-PE"/>
+          </a:p>
+        </p:txBody>
+      </p:sp>
+      <p:sp>
+        <p:nvSpPr>
+          <p:cNvPr id="11" name="TextBox 10"/>
+          <p:cNvSpPr txBox="1"/>
+          <p:nvPr/>
+        </p:nvSpPr>
+        <p:spPr>
+          <a:xfrm>
+            <a:off x="836612" y="735241"/>
+            <a:ext cx="609600" cy="584776"/>
+          </a:xfrm>
+          <a:prstGeom prst="rect">
+            <a:avLst/>
+          </a:prstGeom>
+        </p:spPr>
+        <p:txBody>
+          <a:bodyPr vert="horz" lIns="91440" tIns="45720" rIns="91440" bIns="45720" rtlCol="0" anchor="ctr">
+            <a:noAutofit/>
+          </a:bodyPr>
+          <a:lstStyle>
+            <a:lvl1pPr>
+              <a:spcBef>
+                <a:spcPct val="0"/>
+              </a:spcBef>
+              <a:buNone/>
+              <a:defRPr sz="3200" b="0" cap="all">
+                <a:ln w="3175" cmpd="sng">
+                  <a:noFill/>
+                </a:ln>
+                <a:effectLst>
+                  <a:glow rad="38100">
+                    <a:schemeClr val="bg1">
+                      <a:lumMod val="65000"/>
+                      <a:lumOff val="35000"/>
+                      <a:alpha val="40000"/>
+                    </a:schemeClr>
+                  </a:glow>
+                  <a:outerShdw blurRad="28575" dist="38100" dir="14040000" algn="tl" rotWithShape="0">
+                    <a:srgbClr val="000000">
+                      <a:alpha val="25000"/>
+                    </a:srgbClr>
+                  </a:outerShdw>
+                </a:effectLst>
+              </a:defRPr>
+            </a:lvl1pPr>
+            <a:lvl2pPr>
+              <a:defRPr>
+                <a:solidFill>
+                  <a:schemeClr val="tx2"/>
+                </a:solidFill>
+              </a:defRPr>
+            </a:lvl2pPr>
+            <a:lvl3pPr>
+              <a:defRPr>
+                <a:solidFill>
+                  <a:schemeClr val="tx2"/>
+                </a:solidFill>
+              </a:defRPr>
+            </a:lvl3pPr>
+            <a:lvl4pPr>
+              <a:defRPr>
+                <a:solidFill>
+                  <a:schemeClr val="tx2"/>
+                </a:solidFill>
+              </a:defRPr>
+            </a:lvl4pPr>
+            <a:lvl5pPr>
+              <a:defRPr>
+                <a:solidFill>
+                  <a:schemeClr val="tx2"/>
+                </a:solidFill>
+              </a:defRPr>
+            </a:lvl5pPr>
+            <a:lvl6pPr>
+              <a:defRPr>
+                <a:solidFill>
+                  <a:schemeClr val="tx2"/>
+                </a:solidFill>
+              </a:defRPr>
+            </a:lvl6pPr>
+            <a:lvl7pPr>
+              <a:defRPr>
+                <a:solidFill>
+                  <a:schemeClr val="tx2"/>
+                </a:solidFill>
+              </a:defRPr>
+            </a:lvl7pPr>
+            <a:lvl8pPr>
+              <a:defRPr>
+                <a:solidFill>
+                  <a:schemeClr val="tx2"/>
+                </a:solidFill>
+              </a:defRPr>
+            </a:lvl8pPr>
+            <a:lvl9pPr>
+              <a:defRPr>
+                <a:solidFill>
+                  <a:schemeClr val="tx2"/>
+                </a:solidFill>
+              </a:defRPr>
+            </a:lvl9pPr>
+          </a:lstStyle>
+          <a:p>
+            <a:pPr lvl="0"/>
+            <a:r>
+              <a:rPr lang="en-US" sz="8000" dirty="0">
+                <a:solidFill>
+                  <a:schemeClr val="tx1"/>
+                </a:solidFill>
+                <a:effectLst/>
+              </a:rPr>
+              <a:t>“</a:t>
+            </a:r>
+          </a:p>
+        </p:txBody>
+      </p:sp>
+      <p:sp>
+        <p:nvSpPr>
+          <p:cNvPr id="13" name="TextBox 12"/>
+          <p:cNvSpPr txBox="1"/>
+          <p:nvPr/>
+        </p:nvSpPr>
+        <p:spPr>
+          <a:xfrm>
+            <a:off x="10657956" y="2972093"/>
+            <a:ext cx="609600" cy="584776"/>
+          </a:xfrm>
+          <a:prstGeom prst="rect">
+            <a:avLst/>
+          </a:prstGeom>
+        </p:spPr>
+        <p:txBody>
+          <a:bodyPr vert="horz" lIns="91440" tIns="45720" rIns="91440" bIns="45720" rtlCol="0" anchor="ctr">
+            <a:noAutofit/>
+          </a:bodyPr>
+          <a:lstStyle>
+            <a:lvl1pPr>
+              <a:spcBef>
+                <a:spcPct val="0"/>
+              </a:spcBef>
+              <a:buNone/>
+              <a:defRPr sz="3200" b="0" cap="all">
+                <a:ln w="3175" cmpd="sng">
+                  <a:noFill/>
+                </a:ln>
+                <a:effectLst>
+                  <a:glow rad="38100">
+                    <a:schemeClr val="bg1">
+                      <a:lumMod val="65000"/>
+                      <a:lumOff val="35000"/>
+                      <a:alpha val="40000"/>
+                    </a:schemeClr>
+                  </a:glow>
+                  <a:outerShdw blurRad="28575" dist="38100" dir="14040000" algn="tl" rotWithShape="0">
+                    <a:srgbClr val="000000">
+                      <a:alpha val="25000"/>
+                    </a:srgbClr>
+                  </a:outerShdw>
+                </a:effectLst>
+              </a:defRPr>
+            </a:lvl1pPr>
+            <a:lvl2pPr>
+              <a:defRPr>
+                <a:solidFill>
+                  <a:schemeClr val="tx2"/>
+                </a:solidFill>
+              </a:defRPr>
+            </a:lvl2pPr>
+            <a:lvl3pPr>
+              <a:defRPr>
+                <a:solidFill>
+                  <a:schemeClr val="tx2"/>
+                </a:solidFill>
+              </a:defRPr>
+            </a:lvl3pPr>
+            <a:lvl4pPr>
+              <a:defRPr>
+                <a:solidFill>
+                  <a:schemeClr val="tx2"/>
+                </a:solidFill>
+              </a:defRPr>
+            </a:lvl4pPr>
+            <a:lvl5pPr>
+              <a:defRPr>
+                <a:solidFill>
+                  <a:schemeClr val="tx2"/>
+                </a:solidFill>
+              </a:defRPr>
+            </a:lvl5pPr>
+            <a:lvl6pPr>
+              <a:defRPr>
+                <a:solidFill>
+                  <a:schemeClr val="tx2"/>
+                </a:solidFill>
+              </a:defRPr>
+            </a:lvl6pPr>
+            <a:lvl7pPr>
+              <a:defRPr>
+                <a:solidFill>
+                  <a:schemeClr val="tx2"/>
+                </a:solidFill>
+              </a:defRPr>
+            </a:lvl7pPr>
+            <a:lvl8pPr>
+              <a:defRPr>
+                <a:solidFill>
+                  <a:schemeClr val="tx2"/>
+                </a:solidFill>
+              </a:defRPr>
+            </a:lvl8pPr>
+            <a:lvl9pPr>
+              <a:defRPr>
+                <a:solidFill>
+                  <a:schemeClr val="tx2"/>
+                </a:solidFill>
+              </a:defRPr>
+            </a:lvl9pPr>
+          </a:lstStyle>
+          <a:p>
+            <a:pPr lvl="0" algn="r"/>
+            <a:r>
+              <a:rPr lang="en-US" sz="8000" dirty="0">
+                <a:solidFill>
+                  <a:schemeClr val="tx1"/>
+                </a:solidFill>
+                <a:effectLst/>
+              </a:rPr>
+              <a:t>”</a:t>
+            </a:r>
+          </a:p>
+        </p:txBody>
+      </p:sp>
+    </p:spTree>
+    <p:extLst>
+      <p:ext uri="{BB962C8B-B14F-4D97-AF65-F5344CB8AC3E}">
+        <p14:creationId xmlns:p14="http://schemas.microsoft.com/office/powerpoint/2010/main" val="1825483269"/>
+      </p:ext>
+    </p:extLst>
+  </p:cSld>
+  <p:clrMapOvr>
+    <a:masterClrMapping/>
+  </p:clrMapOvr>
+</p:sldLayout>
+</file>
+
+<file path=ppt/slideLayouts/slideLayout13.xml><?xml version="1.0" encoding="utf-8"?>
+<p:sldLayout xmlns:a="http://schemas.openxmlformats.org/drawingml/2006/main" xmlns:r="http://schemas.openxmlformats.org/officeDocument/2006/relationships" xmlns:p="http://schemas.openxmlformats.org/presentationml/2006/main" preserve="1">
+  <p:cSld name="Tarjeta de nombre">
+    <p:spTree>
+      <p:nvGrpSpPr>
+        <p:cNvPr id="1" name=""/>
+        <p:cNvGrpSpPr/>
+        <p:nvPr/>
+      </p:nvGrpSpPr>
+      <p:grpSpPr>
+        <a:xfrm>
+          <a:off x="0" y="0"/>
+          <a:ext cx="0" cy="0"/>
+          <a:chOff x="0" y="0"/>
+          <a:chExt cx="0" cy="0"/>
+        </a:xfrm>
+      </p:grpSpPr>
+      <p:sp>
+        <p:nvSpPr>
+          <p:cNvPr id="2" name="Title 1"/>
+          <p:cNvSpPr>
+            <a:spLocks noGrp="1"/>
+          </p:cNvSpPr>
+          <p:nvPr>
+            <p:ph type="title"/>
+          </p:nvPr>
+        </p:nvSpPr>
+        <p:spPr>
+          <a:xfrm>
+            <a:off x="913806" y="2126942"/>
+            <a:ext cx="10355327" cy="2511835"/>
+          </a:xfrm>
+        </p:spPr>
+        <p:txBody>
+          <a:bodyPr anchor="b"/>
+          <a:lstStyle>
+            <a:lvl1pPr>
+              <a:defRPr sz="3200"/>
+            </a:lvl1pPr>
+          </a:lstStyle>
+          <a:p>
+            <a:r>
+              <a:rPr lang="es-ES" smtClean="0"/>
+              <a:t>Haga clic para modificar el estilo de título del patrón</a:t>
+            </a:r>
+            <a:endParaRPr lang="en-US" dirty="0"/>
+          </a:p>
+        </p:txBody>
+      </p:sp>
+      <p:sp>
+        <p:nvSpPr>
+          <p:cNvPr id="4" name="Text Placeholder 3"/>
+          <p:cNvSpPr>
+            <a:spLocks noGrp="1"/>
+          </p:cNvSpPr>
+          <p:nvPr>
+            <p:ph type="body" sz="half" idx="2"/>
+          </p:nvPr>
+        </p:nvSpPr>
+        <p:spPr>
+          <a:xfrm>
+            <a:off x="913794" y="4650556"/>
+            <a:ext cx="10353763" cy="1140644"/>
+          </a:xfrm>
+        </p:spPr>
+        <p:txBody>
+          <a:bodyPr anchor="t"/>
+          <a:lstStyle>
+            <a:lvl1pPr marL="0" indent="0" algn="ctr">
+              <a:buNone/>
+              <a:defRPr sz="1600"/>
+            </a:lvl1pPr>
+            <a:lvl2pPr marL="457200" indent="0">
+              <a:buNone/>
+              <a:defRPr sz="1400"/>
+            </a:lvl2pPr>
+            <a:lvl3pPr marL="914400" indent="0">
+              <a:buNone/>
+              <a:defRPr sz="1200"/>
+            </a:lvl3pPr>
+            <a:lvl4pPr marL="1371600" indent="0">
+              <a:buNone/>
+              <a:defRPr sz="1000"/>
+            </a:lvl4pPr>
+            <a:lvl5pPr marL="1828800" indent="0">
+              <a:buNone/>
+              <a:defRPr sz="1000"/>
+            </a:lvl5pPr>
+            <a:lvl6pPr marL="2286000" indent="0">
+              <a:buNone/>
+              <a:defRPr sz="1000"/>
+            </a:lvl6pPr>
+            <a:lvl7pPr marL="2743200" indent="0">
+              <a:buNone/>
+              <a:defRPr sz="1000"/>
+            </a:lvl7pPr>
+            <a:lvl8pPr marL="3200400" indent="0">
+              <a:buNone/>
+              <a:defRPr sz="1000"/>
+            </a:lvl8pPr>
+            <a:lvl9pPr marL="3657600" indent="0">
+              <a:buNone/>
+              <a:defRPr sz="1000"/>
+            </a:lvl9pPr>
+          </a:lstStyle>
+          <a:p>
+            <a:pPr lvl="0"/>
+            <a:r>
+              <a:rPr lang="es-ES" smtClean="0"/>
+              <a:t>Editar el estilo de texto del patrón</a:t>
+            </a:r>
+          </a:p>
+        </p:txBody>
+      </p:sp>
+      <p:sp>
+        <p:nvSpPr>
+          <p:cNvPr id="5" name="Date Placeholder 4"/>
+          <p:cNvSpPr>
+            <a:spLocks noGrp="1"/>
+          </p:cNvSpPr>
+          <p:nvPr>
+            <p:ph type="dt" sz="half" idx="10"/>
+          </p:nvPr>
+        </p:nvSpPr>
+        <p:spPr/>
+        <p:txBody>
+          <a:bodyPr/>
+          <a:lstStyle/>
+          <a:p>
+            <a:fld id="{07E177AA-8092-49C7-A85C-E88A31873C61}" type="datetimeFigureOut">
+              <a:rPr lang="es-PE" smtClean="0"/>
+              <a:t>1/05/2017</a:t>
+            </a:fld>
+            <a:endParaRPr lang="es-PE"/>
+          </a:p>
+        </p:txBody>
+      </p:sp>
+      <p:sp>
+        <p:nvSpPr>
+          <p:cNvPr id="6" name="Footer Placeholder 5"/>
+          <p:cNvSpPr>
+            <a:spLocks noGrp="1"/>
+          </p:cNvSpPr>
+          <p:nvPr>
+            <p:ph type="ftr" sz="quarter" idx="11"/>
+          </p:nvPr>
+        </p:nvSpPr>
+        <p:spPr/>
+        <p:txBody>
+          <a:bodyPr/>
+          <a:lstStyle/>
+          <a:p>
+            <a:endParaRPr lang="es-PE"/>
+          </a:p>
+        </p:txBody>
+      </p:sp>
+      <p:sp>
+        <p:nvSpPr>
+          <p:cNvPr id="7" name="Slide Number Placeholder 6"/>
+          <p:cNvSpPr>
+            <a:spLocks noGrp="1"/>
+          </p:cNvSpPr>
+          <p:nvPr>
+            <p:ph type="sldNum" sz="quarter" idx="12"/>
+          </p:nvPr>
+        </p:nvSpPr>
+        <p:spPr/>
+        <p:txBody>
+          <a:bodyPr/>
+          <a:lstStyle/>
+          <a:p>
+            <a:fld id="{EC9B5324-4AAB-4C3F-BC9F-386E03D979F9}" type="slidenum">
+              <a:rPr lang="es-PE" smtClean="0"/>
+              <a:t>‹Nº›</a:t>
+            </a:fld>
+            <a:endParaRPr lang="es-PE"/>
+          </a:p>
+        </p:txBody>
+      </p:sp>
+    </p:spTree>
+    <p:extLst>
+      <p:ext uri="{BB962C8B-B14F-4D97-AF65-F5344CB8AC3E}">
+        <p14:creationId xmlns:p14="http://schemas.microsoft.com/office/powerpoint/2010/main" val="191322766"/>
+      </p:ext>
+    </p:extLst>
+  </p:cSld>
+  <p:clrMapOvr>
+    <a:masterClrMapping/>
+  </p:clrMapOvr>
+</p:sldLayout>
+</file>
+
+<file path=ppt/slideLayouts/slideLayout14.xml><?xml version="1.0" encoding="utf-8"?>
+<p:sldLayout xmlns:a="http://schemas.openxmlformats.org/drawingml/2006/main" xmlns:r="http://schemas.openxmlformats.org/officeDocument/2006/relationships" xmlns:p="http://schemas.openxmlformats.org/presentationml/2006/main" preserve="1">
+  <p:cSld name="Columna 3">
+    <p:spTree>
+      <p:nvGrpSpPr>
+        <p:cNvPr id="1" name=""/>
+        <p:cNvGrpSpPr/>
+        <p:nvPr/>
+      </p:nvGrpSpPr>
+      <p:grpSpPr>
+        <a:xfrm>
+          <a:off x="0" y="0"/>
+          <a:ext cx="0" cy="0"/>
+          <a:chOff x="0" y="0"/>
+          <a:chExt cx="0" cy="0"/>
+        </a:xfrm>
+      </p:grpSpPr>
+      <p:sp>
+        <p:nvSpPr>
+          <p:cNvPr id="15" name="Title 1"/>
+          <p:cNvSpPr>
+            <a:spLocks noGrp="1"/>
+          </p:cNvSpPr>
+          <p:nvPr>
+            <p:ph type="title"/>
+          </p:nvPr>
+        </p:nvSpPr>
+        <p:spPr>
+          <a:xfrm>
+            <a:off x="913794" y="609600"/>
+            <a:ext cx="10353762" cy="1325563"/>
+          </a:xfrm>
+        </p:spPr>
+        <p:txBody>
+          <a:bodyPr/>
+          <a:lstStyle/>
+          <a:p>
+            <a:r>
+              <a:rPr lang="es-ES" smtClean="0"/>
+              <a:t>Haga clic para modificar el estilo de título del patrón</a:t>
+            </a:r>
+            <a:endParaRPr lang="en-US" dirty="0"/>
+          </a:p>
+        </p:txBody>
+      </p:sp>
+      <p:sp>
+        <p:nvSpPr>
+          <p:cNvPr id="7" name="Text Placeholder 2"/>
+          <p:cNvSpPr>
+            <a:spLocks noGrp="1"/>
+          </p:cNvSpPr>
+          <p:nvPr>
+            <p:ph type="body" idx="1"/>
+          </p:nvPr>
+        </p:nvSpPr>
+        <p:spPr>
+          <a:xfrm>
+            <a:off x="913794" y="2088319"/>
+            <a:ext cx="3298956" cy="823305"/>
+          </a:xfrm>
+        </p:spPr>
+        <p:txBody>
+          <a:bodyPr anchor="b">
+            <a:noAutofit/>
+          </a:bodyPr>
+          <a:lstStyle>
+            <a:lvl1pPr marL="0" indent="0" algn="ctr">
+              <a:lnSpc>
+                <a:spcPct val="100000"/>
+              </a:lnSpc>
+              <a:buNone/>
+              <a:defRPr sz="2400" b="0">
+                <a:solidFill>
+                  <a:schemeClr val="tx1"/>
+                </a:solidFill>
+              </a:defRPr>
+            </a:lvl1pPr>
+            <a:lvl2pPr marL="457200" indent="0">
+              <a:buNone/>
+              <a:defRPr sz="2000" b="1"/>
+            </a:lvl2pPr>
+            <a:lvl3pPr marL="914400" indent="0">
+              <a:buNone/>
+              <a:defRPr sz="1800" b="1"/>
+            </a:lvl3pPr>
+            <a:lvl4pPr marL="1371600" indent="0">
+              <a:buNone/>
+              <a:defRPr sz="1600" b="1"/>
+            </a:lvl4pPr>
+            <a:lvl5pPr marL="1828800" indent="0">
+              <a:buNone/>
+              <a:defRPr sz="1600" b="1"/>
+            </a:lvl5pPr>
+            <a:lvl6pPr marL="2286000" indent="0">
+              <a:buNone/>
+              <a:defRPr sz="1600" b="1"/>
+            </a:lvl6pPr>
+            <a:lvl7pPr marL="2743200" indent="0">
+              <a:buNone/>
+              <a:defRPr sz="1600" b="1"/>
+            </a:lvl7pPr>
+            <a:lvl8pPr marL="3200400" indent="0">
+              <a:buNone/>
+              <a:defRPr sz="1600" b="1"/>
+            </a:lvl8pPr>
+            <a:lvl9pPr marL="3657600" indent="0">
+              <a:buNone/>
+              <a:defRPr sz="1600" b="1"/>
+            </a:lvl9pPr>
+          </a:lstStyle>
+          <a:p>
+            <a:pPr lvl="0"/>
+            <a:r>
+              <a:rPr lang="es-ES" smtClean="0"/>
+              <a:t>Editar el estilo de texto del patrón</a:t>
+            </a:r>
+          </a:p>
+        </p:txBody>
+      </p:sp>
+      <p:sp>
+        <p:nvSpPr>
+          <p:cNvPr id="8" name="Text Placeholder 3"/>
+          <p:cNvSpPr>
+            <a:spLocks noGrp="1"/>
+          </p:cNvSpPr>
+          <p:nvPr>
+            <p:ph type="body" sz="half" idx="15"/>
+          </p:nvPr>
+        </p:nvSpPr>
+        <p:spPr>
+          <a:xfrm>
+            <a:off x="913794" y="2911624"/>
+            <a:ext cx="3298956" cy="2879576"/>
+          </a:xfrm>
+        </p:spPr>
+        <p:txBody>
+          <a:bodyPr anchor="t">
+            <a:normAutofit/>
+          </a:bodyPr>
+          <a:lstStyle>
+            <a:lvl1pPr marL="0" indent="0" algn="ctr">
+              <a:buNone/>
+              <a:defRPr sz="1400"/>
+            </a:lvl1pPr>
+            <a:lvl2pPr marL="457200" indent="0">
+              <a:buNone/>
+              <a:defRPr sz="1200"/>
+            </a:lvl2pPr>
+            <a:lvl3pPr marL="914400" indent="0">
+              <a:buNone/>
+              <a:defRPr sz="1000"/>
+            </a:lvl3pPr>
+            <a:lvl4pPr marL="1371600" indent="0">
+              <a:buNone/>
+              <a:defRPr sz="900"/>
+            </a:lvl4pPr>
+            <a:lvl5pPr marL="1828800" indent="0">
+              <a:buNone/>
+              <a:defRPr sz="900"/>
+            </a:lvl5pPr>
+            <a:lvl6pPr marL="2286000" indent="0">
+              <a:buNone/>
+              <a:defRPr sz="900"/>
+            </a:lvl6pPr>
+            <a:lvl7pPr marL="2743200" indent="0">
+              <a:buNone/>
+              <a:defRPr sz="900"/>
+            </a:lvl7pPr>
+            <a:lvl8pPr marL="3200400" indent="0">
+              <a:buNone/>
+              <a:defRPr sz="900"/>
+            </a:lvl8pPr>
+            <a:lvl9pPr marL="3657600" indent="0">
+              <a:buNone/>
+              <a:defRPr sz="900"/>
+            </a:lvl9pPr>
+          </a:lstStyle>
+          <a:p>
+            <a:pPr lvl="0"/>
+            <a:r>
+              <a:rPr lang="es-ES" smtClean="0"/>
+              <a:t>Editar el estilo de texto del patrón</a:t>
+            </a:r>
+          </a:p>
+        </p:txBody>
+      </p:sp>
+      <p:sp>
+        <p:nvSpPr>
+          <p:cNvPr id="9" name="Text Placeholder 4"/>
+          <p:cNvSpPr>
+            <a:spLocks noGrp="1"/>
+          </p:cNvSpPr>
+          <p:nvPr>
+            <p:ph type="body" sz="quarter" idx="3"/>
+          </p:nvPr>
+        </p:nvSpPr>
+        <p:spPr>
+          <a:xfrm>
+            <a:off x="4444878" y="2088320"/>
+            <a:ext cx="3298558" cy="823304"/>
+          </a:xfrm>
+        </p:spPr>
+        <p:txBody>
+          <a:bodyPr anchor="b">
+            <a:noAutofit/>
+          </a:bodyPr>
+          <a:lstStyle>
+            <a:lvl1pPr marL="0" indent="0" algn="ctr">
+              <a:lnSpc>
+                <a:spcPct val="100000"/>
+              </a:lnSpc>
+              <a:buNone/>
+              <a:defRPr sz="2400" b="0">
+                <a:solidFill>
+                  <a:schemeClr val="tx1"/>
+                </a:solidFill>
+              </a:defRPr>
+            </a:lvl1pPr>
+            <a:lvl2pPr marL="457200" indent="0">
+              <a:buNone/>
+              <a:defRPr sz="2000" b="1"/>
+            </a:lvl2pPr>
+            <a:lvl3pPr marL="914400" indent="0">
+              <a:buNone/>
+              <a:defRPr sz="1800" b="1"/>
+            </a:lvl3pPr>
+            <a:lvl4pPr marL="1371600" indent="0">
+              <a:buNone/>
+              <a:defRPr sz="1600" b="1"/>
+            </a:lvl4pPr>
+            <a:lvl5pPr marL="1828800" indent="0">
+              <a:buNone/>
+              <a:defRPr sz="1600" b="1"/>
+            </a:lvl5pPr>
+            <a:lvl6pPr marL="2286000" indent="0">
+              <a:buNone/>
+              <a:defRPr sz="1600" b="1"/>
+            </a:lvl6pPr>
+            <a:lvl7pPr marL="2743200" indent="0">
+              <a:buNone/>
+              <a:defRPr sz="1600" b="1"/>
+            </a:lvl7pPr>
+            <a:lvl8pPr marL="3200400" indent="0">
+              <a:buNone/>
+              <a:defRPr sz="1600" b="1"/>
+            </a:lvl8pPr>
+            <a:lvl9pPr marL="3657600" indent="0">
+              <a:buNone/>
+              <a:defRPr sz="1600" b="1"/>
+            </a:lvl9pPr>
+          </a:lstStyle>
+          <a:p>
+            <a:pPr lvl="0"/>
+            <a:r>
+              <a:rPr lang="es-ES" smtClean="0"/>
+              <a:t>Editar el estilo de texto del patrón</a:t>
+            </a:r>
+          </a:p>
+        </p:txBody>
+      </p:sp>
+      <p:sp>
+        <p:nvSpPr>
+          <p:cNvPr id="10" name="Text Placeholder 3"/>
+          <p:cNvSpPr>
+            <a:spLocks noGrp="1"/>
+          </p:cNvSpPr>
+          <p:nvPr>
+            <p:ph type="body" sz="half" idx="16"/>
+          </p:nvPr>
+        </p:nvSpPr>
+        <p:spPr>
+          <a:xfrm>
+            <a:off x="4444878" y="2911624"/>
+            <a:ext cx="3299821" cy="2879576"/>
+          </a:xfrm>
+        </p:spPr>
+        <p:txBody>
+          <a:bodyPr anchor="t">
+            <a:normAutofit/>
+          </a:bodyPr>
+          <a:lstStyle>
+            <a:lvl1pPr marL="0" indent="0" algn="ctr">
+              <a:buNone/>
+              <a:defRPr sz="1400"/>
+            </a:lvl1pPr>
+            <a:lvl2pPr marL="457200" indent="0">
+              <a:buNone/>
+              <a:defRPr sz="1200"/>
+            </a:lvl2pPr>
+            <a:lvl3pPr marL="914400" indent="0">
+              <a:buNone/>
+              <a:defRPr sz="1000"/>
+            </a:lvl3pPr>
+            <a:lvl4pPr marL="1371600" indent="0">
+              <a:buNone/>
+              <a:defRPr sz="900"/>
+            </a:lvl4pPr>
+            <a:lvl5pPr marL="1828800" indent="0">
+              <a:buNone/>
+              <a:defRPr sz="900"/>
+            </a:lvl5pPr>
+            <a:lvl6pPr marL="2286000" indent="0">
+              <a:buNone/>
+              <a:defRPr sz="900"/>
+            </a:lvl6pPr>
+            <a:lvl7pPr marL="2743200" indent="0">
+              <a:buNone/>
+              <a:defRPr sz="900"/>
+            </a:lvl7pPr>
+            <a:lvl8pPr marL="3200400" indent="0">
+              <a:buNone/>
+              <a:defRPr sz="900"/>
+            </a:lvl8pPr>
+            <a:lvl9pPr marL="3657600" indent="0">
+              <a:buNone/>
+              <a:defRPr sz="900"/>
+            </a:lvl9pPr>
+          </a:lstStyle>
+          <a:p>
+            <a:pPr lvl="0"/>
+            <a:r>
+              <a:rPr lang="es-ES" smtClean="0"/>
+              <a:t>Editar el estilo de texto del patrón</a:t>
+            </a:r>
+          </a:p>
+        </p:txBody>
+      </p:sp>
+      <p:sp>
+        <p:nvSpPr>
+          <p:cNvPr id="11" name="Text Placeholder 4"/>
+          <p:cNvSpPr>
+            <a:spLocks noGrp="1"/>
+          </p:cNvSpPr>
+          <p:nvPr>
+            <p:ph type="body" sz="quarter" idx="13"/>
+          </p:nvPr>
+        </p:nvSpPr>
+        <p:spPr>
+          <a:xfrm>
+            <a:off x="7973298" y="2088320"/>
+            <a:ext cx="3291211" cy="823304"/>
+          </a:xfrm>
+        </p:spPr>
+        <p:txBody>
+          <a:bodyPr anchor="b">
+            <a:noAutofit/>
+          </a:bodyPr>
+          <a:lstStyle>
+            <a:lvl1pPr marL="0" indent="0" algn="ctr">
+              <a:lnSpc>
+                <a:spcPct val="100000"/>
+              </a:lnSpc>
+              <a:buNone/>
+              <a:defRPr sz="2400" b="0">
+                <a:solidFill>
+                  <a:schemeClr val="tx1"/>
+                </a:solidFill>
+              </a:defRPr>
+            </a:lvl1pPr>
+            <a:lvl2pPr marL="457200" indent="0">
+              <a:buNone/>
+              <a:defRPr sz="2000" b="1"/>
+            </a:lvl2pPr>
+            <a:lvl3pPr marL="914400" indent="0">
+              <a:buNone/>
+              <a:defRPr sz="1800" b="1"/>
+            </a:lvl3pPr>
+            <a:lvl4pPr marL="1371600" indent="0">
+              <a:buNone/>
+              <a:defRPr sz="1600" b="1"/>
+            </a:lvl4pPr>
+            <a:lvl5pPr marL="1828800" indent="0">
+              <a:buNone/>
+              <a:defRPr sz="1600" b="1"/>
+            </a:lvl5pPr>
+            <a:lvl6pPr marL="2286000" indent="0">
+              <a:buNone/>
+              <a:defRPr sz="1600" b="1"/>
+            </a:lvl6pPr>
+            <a:lvl7pPr marL="2743200" indent="0">
+              <a:buNone/>
+              <a:defRPr sz="1600" b="1"/>
+            </a:lvl7pPr>
+            <a:lvl8pPr marL="3200400" indent="0">
+              <a:buNone/>
+              <a:defRPr sz="1600" b="1"/>
+            </a:lvl8pPr>
+            <a:lvl9pPr marL="3657600" indent="0">
+              <a:buNone/>
+              <a:defRPr sz="1600" b="1"/>
+            </a:lvl9pPr>
+          </a:lstStyle>
+          <a:p>
+            <a:pPr lvl="0"/>
+            <a:r>
+              <a:rPr lang="es-ES" smtClean="0"/>
+              <a:t>Editar el estilo de texto del patrón</a:t>
+            </a:r>
+          </a:p>
+        </p:txBody>
+      </p:sp>
+      <p:sp>
+        <p:nvSpPr>
+          <p:cNvPr id="12" name="Text Placeholder 3"/>
+          <p:cNvSpPr>
+            <a:spLocks noGrp="1"/>
+          </p:cNvSpPr>
+          <p:nvPr>
+            <p:ph type="body" sz="half" idx="17"/>
+          </p:nvPr>
+        </p:nvSpPr>
+        <p:spPr>
+          <a:xfrm>
+            <a:off x="7976346" y="2911624"/>
+            <a:ext cx="3291211" cy="2879576"/>
+          </a:xfrm>
+        </p:spPr>
+        <p:txBody>
+          <a:bodyPr anchor="t">
+            <a:normAutofit/>
+          </a:bodyPr>
+          <a:lstStyle>
+            <a:lvl1pPr marL="0" indent="0" algn="ctr">
+              <a:buNone/>
+              <a:defRPr sz="1400"/>
+            </a:lvl1pPr>
+            <a:lvl2pPr marL="457200" indent="0">
+              <a:buNone/>
+              <a:defRPr sz="1200"/>
+            </a:lvl2pPr>
+            <a:lvl3pPr marL="914400" indent="0">
+              <a:buNone/>
+              <a:defRPr sz="1000"/>
+            </a:lvl3pPr>
+            <a:lvl4pPr marL="1371600" indent="0">
+              <a:buNone/>
+              <a:defRPr sz="900"/>
+            </a:lvl4pPr>
+            <a:lvl5pPr marL="1828800" indent="0">
+              <a:buNone/>
+              <a:defRPr sz="900"/>
+            </a:lvl5pPr>
+            <a:lvl6pPr marL="2286000" indent="0">
+              <a:buNone/>
+              <a:defRPr sz="900"/>
+            </a:lvl6pPr>
+            <a:lvl7pPr marL="2743200" indent="0">
+              <a:buNone/>
+              <a:defRPr sz="900"/>
+            </a:lvl7pPr>
+            <a:lvl8pPr marL="3200400" indent="0">
+              <a:buNone/>
+              <a:defRPr sz="900"/>
+            </a:lvl8pPr>
+            <a:lvl9pPr marL="3657600" indent="0">
+              <a:buNone/>
+              <a:defRPr sz="900"/>
+            </a:lvl9pPr>
+          </a:lstStyle>
+          <a:p>
+            <a:pPr lvl="0"/>
+            <a:r>
+              <a:rPr lang="es-ES" smtClean="0"/>
+              <a:t>Editar el estilo de texto del patrón</a:t>
+            </a:r>
+          </a:p>
+        </p:txBody>
+      </p:sp>
+      <p:sp>
+        <p:nvSpPr>
+          <p:cNvPr id="3" name="Date Placeholder 2"/>
+          <p:cNvSpPr>
+            <a:spLocks noGrp="1"/>
+          </p:cNvSpPr>
+          <p:nvPr>
+            <p:ph type="dt" sz="half" idx="10"/>
+          </p:nvPr>
+        </p:nvSpPr>
+        <p:spPr/>
+        <p:txBody>
+          <a:bodyPr/>
+          <a:lstStyle/>
+          <a:p>
+            <a:fld id="{07E177AA-8092-49C7-A85C-E88A31873C61}" type="datetimeFigureOut">
+              <a:rPr lang="es-PE" smtClean="0"/>
+              <a:t>1/05/2017</a:t>
+            </a:fld>
+            <a:endParaRPr lang="es-PE"/>
+          </a:p>
+        </p:txBody>
+      </p:sp>
+      <p:sp>
+        <p:nvSpPr>
+          <p:cNvPr id="4" name="Footer Placeholder 3"/>
+          <p:cNvSpPr>
+            <a:spLocks noGrp="1"/>
+          </p:cNvSpPr>
+          <p:nvPr>
+            <p:ph type="ftr" sz="quarter" idx="11"/>
+          </p:nvPr>
+        </p:nvSpPr>
+        <p:spPr/>
+        <p:txBody>
+          <a:bodyPr/>
+          <a:lstStyle/>
+          <a:p>
+            <a:endParaRPr lang="es-PE"/>
+          </a:p>
+        </p:txBody>
+      </p:sp>
+      <p:sp>
+        <p:nvSpPr>
+          <p:cNvPr id="5" name="Slide Number Placeholder 4"/>
+          <p:cNvSpPr>
+            <a:spLocks noGrp="1"/>
+          </p:cNvSpPr>
+          <p:nvPr>
+            <p:ph type="sldNum" sz="quarter" idx="12"/>
+          </p:nvPr>
+        </p:nvSpPr>
+        <p:spPr/>
+        <p:txBody>
+          <a:bodyPr/>
+          <a:lstStyle/>
+          <a:p>
+            <a:fld id="{EC9B5324-4AAB-4C3F-BC9F-386E03D979F9}" type="slidenum">
+              <a:rPr lang="es-PE" smtClean="0"/>
+              <a:t>‹Nº›</a:t>
+            </a:fld>
+            <a:endParaRPr lang="es-PE"/>
+          </a:p>
+        </p:txBody>
+      </p:sp>
+    </p:spTree>
+    <p:extLst>
+      <p:ext uri="{BB962C8B-B14F-4D97-AF65-F5344CB8AC3E}">
+        <p14:creationId xmlns:p14="http://schemas.microsoft.com/office/powerpoint/2010/main" val="3780010404"/>
+      </p:ext>
+    </p:extLst>
+  </p:cSld>
+  <p:clrMapOvr>
+    <a:masterClrMapping/>
+  </p:clrMapOvr>
+</p:sldLayout>
+</file>
+
+<file path=ppt/slideLayouts/slideLayout15.xml><?xml version="1.0" encoding="utf-8"?>
+<p:sldLayout xmlns:a="http://schemas.openxmlformats.org/drawingml/2006/main" xmlns:r="http://schemas.openxmlformats.org/officeDocument/2006/relationships" xmlns:p="http://schemas.openxmlformats.org/presentationml/2006/main" preserve="1">
+  <p:cSld name="Columna de imagen 3">
+    <p:spTree>
+      <p:nvGrpSpPr>
+        <p:cNvPr id="1" name=""/>
+        <p:cNvGrpSpPr/>
+        <p:nvPr/>
+      </p:nvGrpSpPr>
+      <p:grpSpPr>
+        <a:xfrm>
+          <a:off x="0" y="0"/>
+          <a:ext cx="0" cy="0"/>
+          <a:chOff x="0" y="0"/>
+          <a:chExt cx="0" cy="0"/>
+        </a:xfrm>
+      </p:grpSpPr>
+      <p:sp>
+        <p:nvSpPr>
+          <p:cNvPr id="30" name="Title 1"/>
+          <p:cNvSpPr>
+            <a:spLocks noGrp="1"/>
+          </p:cNvSpPr>
+          <p:nvPr>
+            <p:ph type="title"/>
+          </p:nvPr>
+        </p:nvSpPr>
+        <p:spPr>
+          <a:xfrm>
+            <a:off x="913795" y="609600"/>
+            <a:ext cx="10353762" cy="1325563"/>
+          </a:xfrm>
+        </p:spPr>
+        <p:txBody>
+          <a:bodyPr/>
+          <a:lstStyle/>
+          <a:p>
+            <a:r>
+              <a:rPr lang="es-ES" smtClean="0"/>
+              <a:t>Haga clic para modificar el estilo de título del patrón</a:t>
+            </a:r>
+            <a:endParaRPr lang="en-US" dirty="0"/>
+          </a:p>
+        </p:txBody>
+      </p:sp>
+      <p:sp>
+        <p:nvSpPr>
+          <p:cNvPr id="19" name="Text Placeholder 2"/>
+          <p:cNvSpPr>
+            <a:spLocks noGrp="1"/>
+          </p:cNvSpPr>
+          <p:nvPr>
+            <p:ph type="body" idx="1"/>
+          </p:nvPr>
+        </p:nvSpPr>
+        <p:spPr>
+          <a:xfrm>
+            <a:off x="913795" y="4195899"/>
+            <a:ext cx="3298955" cy="576262"/>
+          </a:xfrm>
+        </p:spPr>
+        <p:txBody>
+          <a:bodyPr anchor="b">
+            <a:noAutofit/>
+          </a:bodyPr>
+          <a:lstStyle>
+            <a:lvl1pPr marL="0" indent="0" algn="ctr">
+              <a:lnSpc>
+                <a:spcPct val="100000"/>
+              </a:lnSpc>
+              <a:buNone/>
+              <a:defRPr sz="2000" b="0">
+                <a:solidFill>
+                  <a:schemeClr val="tx1"/>
+                </a:solidFill>
+              </a:defRPr>
+            </a:lvl1pPr>
+            <a:lvl2pPr marL="457200" indent="0">
+              <a:buNone/>
+              <a:defRPr sz="2000" b="1"/>
+            </a:lvl2pPr>
+            <a:lvl3pPr marL="914400" indent="0">
+              <a:buNone/>
+              <a:defRPr sz="1800" b="1"/>
+            </a:lvl3pPr>
+            <a:lvl4pPr marL="1371600" indent="0">
+              <a:buNone/>
+              <a:defRPr sz="1600" b="1"/>
+            </a:lvl4pPr>
+            <a:lvl5pPr marL="1828800" indent="0">
+              <a:buNone/>
+              <a:defRPr sz="1600" b="1"/>
+            </a:lvl5pPr>
+            <a:lvl6pPr marL="2286000" indent="0">
+              <a:buNone/>
+              <a:defRPr sz="1600" b="1"/>
+            </a:lvl6pPr>
+            <a:lvl7pPr marL="2743200" indent="0">
+              <a:buNone/>
+              <a:defRPr sz="1600" b="1"/>
+            </a:lvl7pPr>
+            <a:lvl8pPr marL="3200400" indent="0">
+              <a:buNone/>
+              <a:defRPr sz="1600" b="1"/>
+            </a:lvl8pPr>
+            <a:lvl9pPr marL="3657600" indent="0">
+              <a:buNone/>
+              <a:defRPr sz="1600" b="1"/>
+            </a:lvl9pPr>
+          </a:lstStyle>
+          <a:p>
+            <a:pPr lvl="0"/>
+            <a:r>
+              <a:rPr lang="es-ES" smtClean="0"/>
+              <a:t>Editar el estilo de texto del patrón</a:t>
+            </a:r>
+          </a:p>
+        </p:txBody>
+      </p:sp>
+      <p:sp>
+        <p:nvSpPr>
+          <p:cNvPr id="20" name="Picture Placeholder 2"/>
+          <p:cNvSpPr>
+            <a:spLocks noGrp="1" noChangeAspect="1"/>
+          </p:cNvSpPr>
+          <p:nvPr>
+            <p:ph type="pic" idx="15"/>
+          </p:nvPr>
+        </p:nvSpPr>
+        <p:spPr>
+          <a:xfrm>
+            <a:off x="1092020" y="2298987"/>
+            <a:ext cx="2940050" cy="1524000"/>
+          </a:xfrm>
+          <a:prstGeom prst="roundRect">
+            <a:avLst>
+              <a:gd name="adj" fmla="val 0"/>
+            </a:avLst>
+          </a:prstGeom>
+          <a:noFill/>
+          <a:ln w="146050" cap="sq">
+            <a:solidFill>
+              <a:srgbClr val="FFFFFF"/>
+            </a:solidFill>
+            <a:miter lim="800000"/>
+          </a:ln>
+          <a:effectLst>
+            <a:outerShdw blurRad="55000" dist="18000" dir="5400000" algn="tl" rotWithShape="0">
+              <a:srgbClr val="000000">
+                <a:alpha val="40000"/>
+              </a:srgbClr>
+            </a:outerShdw>
+          </a:effectLst>
+          <a:scene3d>
+            <a:camera prst="orthographicFront"/>
+            <a:lightRig rig="twoPt" dir="t">
+              <a:rot lat="0" lon="0" rev="7200000"/>
+            </a:lightRig>
+          </a:scene3d>
+          <a:sp3d>
+            <a:bevelT w="25400" h="19050"/>
+            <a:contourClr>
+              <a:srgbClr val="FFFFFF"/>
+            </a:contourClr>
+          </a:sp3d>
+        </p:spPr>
+        <p:txBody>
+          <a:bodyPr anchor="t">
+            <a:normAutofit/>
+          </a:bodyPr>
+          <a:lstStyle>
+            <a:lvl1pPr marL="0" indent="0" algn="ctr">
+              <a:buNone/>
+              <a:defRPr sz="1600"/>
+            </a:lvl1pPr>
+            <a:lvl2pPr marL="457200" indent="0">
+              <a:buNone/>
+              <a:defRPr sz="1600"/>
+            </a:lvl2pPr>
+            <a:lvl3pPr marL="914400" indent="0">
+              <a:buNone/>
+              <a:defRPr sz="1600"/>
+            </a:lvl3pPr>
+            <a:lvl4pPr marL="1371600" indent="0">
+              <a:buNone/>
+              <a:defRPr sz="1600"/>
+            </a:lvl4pPr>
+            <a:lvl5pPr marL="1828800" indent="0">
+              <a:buNone/>
+              <a:defRPr sz="1600"/>
+            </a:lvl5pPr>
+            <a:lvl6pPr marL="2286000" indent="0">
+              <a:buNone/>
+              <a:defRPr sz="1600"/>
+            </a:lvl6pPr>
+            <a:lvl7pPr marL="2743200" indent="0">
+              <a:buNone/>
+              <a:defRPr sz="1600"/>
+            </a:lvl7pPr>
+            <a:lvl8pPr marL="3200400" indent="0">
+              <a:buNone/>
+              <a:defRPr sz="1600"/>
+            </a:lvl8pPr>
+            <a:lvl9pPr marL="3657600" indent="0">
+              <a:buNone/>
+              <a:defRPr sz="1600"/>
+            </a:lvl9pPr>
+          </a:lstStyle>
+          <a:p>
+            <a:r>
+              <a:rPr lang="es-ES" smtClean="0"/>
+              <a:t>Haga clic en el icono para agregar una imagen</a:t>
+            </a:r>
+            <a:endParaRPr lang="en-US" dirty="0"/>
+          </a:p>
+        </p:txBody>
+      </p:sp>
+      <p:sp>
+        <p:nvSpPr>
+          <p:cNvPr id="21" name="Text Placeholder 3"/>
+          <p:cNvSpPr>
+            <a:spLocks noGrp="1"/>
+          </p:cNvSpPr>
+          <p:nvPr>
+            <p:ph type="body" sz="half" idx="18"/>
+          </p:nvPr>
+        </p:nvSpPr>
+        <p:spPr>
+          <a:xfrm>
+            <a:off x="913795" y="4772161"/>
+            <a:ext cx="3298955" cy="1019038"/>
+          </a:xfrm>
+        </p:spPr>
+        <p:txBody>
+          <a:bodyPr anchor="t">
+            <a:normAutofit/>
+          </a:bodyPr>
+          <a:lstStyle>
+            <a:lvl1pPr marL="0" indent="0" algn="ctr">
+              <a:buNone/>
+              <a:defRPr sz="1400"/>
+            </a:lvl1pPr>
+            <a:lvl2pPr marL="457200" indent="0">
+              <a:buNone/>
+              <a:defRPr sz="1200"/>
+            </a:lvl2pPr>
+            <a:lvl3pPr marL="914400" indent="0">
+              <a:buNone/>
+              <a:defRPr sz="1000"/>
+            </a:lvl3pPr>
+            <a:lvl4pPr marL="1371600" indent="0">
+              <a:buNone/>
+              <a:defRPr sz="900"/>
+            </a:lvl4pPr>
+            <a:lvl5pPr marL="1828800" indent="0">
+              <a:buNone/>
+              <a:defRPr sz="900"/>
+            </a:lvl5pPr>
+            <a:lvl6pPr marL="2286000" indent="0">
+              <a:buNone/>
+              <a:defRPr sz="900"/>
+            </a:lvl6pPr>
+            <a:lvl7pPr marL="2743200" indent="0">
+              <a:buNone/>
+              <a:defRPr sz="900"/>
+            </a:lvl7pPr>
+            <a:lvl8pPr marL="3200400" indent="0">
+              <a:buNone/>
+              <a:defRPr sz="900"/>
+            </a:lvl8pPr>
+            <a:lvl9pPr marL="3657600" indent="0">
+              <a:buNone/>
+              <a:defRPr sz="900"/>
+            </a:lvl9pPr>
+          </a:lstStyle>
+          <a:p>
+            <a:pPr lvl="0"/>
+            <a:r>
+              <a:rPr lang="es-ES" smtClean="0"/>
+              <a:t>Editar el estilo de texto del patrón</a:t>
+            </a:r>
+          </a:p>
+        </p:txBody>
+      </p:sp>
+      <p:sp>
+        <p:nvSpPr>
+          <p:cNvPr id="22" name="Text Placeholder 4"/>
+          <p:cNvSpPr>
+            <a:spLocks noGrp="1"/>
+          </p:cNvSpPr>
+          <p:nvPr>
+            <p:ph type="body" sz="quarter" idx="3"/>
+          </p:nvPr>
+        </p:nvSpPr>
+        <p:spPr>
+          <a:xfrm>
+            <a:off x="4442701" y="4195899"/>
+            <a:ext cx="3298983" cy="576262"/>
+          </a:xfrm>
+        </p:spPr>
+        <p:txBody>
+          <a:bodyPr anchor="b">
+            <a:noAutofit/>
+          </a:bodyPr>
+          <a:lstStyle>
+            <a:lvl1pPr marL="0" indent="0" algn="ctr">
+              <a:lnSpc>
+                <a:spcPct val="100000"/>
+              </a:lnSpc>
+              <a:buNone/>
+              <a:defRPr sz="2000" b="0">
+                <a:solidFill>
+                  <a:schemeClr val="tx1"/>
+                </a:solidFill>
+              </a:defRPr>
+            </a:lvl1pPr>
+            <a:lvl2pPr marL="457200" indent="0">
+              <a:buNone/>
+              <a:defRPr sz="2000" b="1"/>
+            </a:lvl2pPr>
+            <a:lvl3pPr marL="914400" indent="0">
+              <a:buNone/>
+              <a:defRPr sz="1800" b="1"/>
+            </a:lvl3pPr>
+            <a:lvl4pPr marL="1371600" indent="0">
+              <a:buNone/>
+              <a:defRPr sz="1600" b="1"/>
+            </a:lvl4pPr>
+            <a:lvl5pPr marL="1828800" indent="0">
+              <a:buNone/>
+              <a:defRPr sz="1600" b="1"/>
+            </a:lvl5pPr>
+            <a:lvl6pPr marL="2286000" indent="0">
+              <a:buNone/>
+              <a:defRPr sz="1600" b="1"/>
+            </a:lvl6pPr>
+            <a:lvl7pPr marL="2743200" indent="0">
+              <a:buNone/>
+              <a:defRPr sz="1600" b="1"/>
+            </a:lvl7pPr>
+            <a:lvl8pPr marL="3200400" indent="0">
+              <a:buNone/>
+              <a:defRPr sz="1600" b="1"/>
+            </a:lvl8pPr>
+            <a:lvl9pPr marL="3657600" indent="0">
+              <a:buNone/>
+              <a:defRPr sz="1600" b="1"/>
+            </a:lvl9pPr>
+          </a:lstStyle>
+          <a:p>
+            <a:pPr lvl="0"/>
+            <a:r>
+              <a:rPr lang="es-ES" smtClean="0"/>
+              <a:t>Editar el estilo de texto del patrón</a:t>
+            </a:r>
+          </a:p>
+        </p:txBody>
+      </p:sp>
+      <p:sp>
+        <p:nvSpPr>
+          <p:cNvPr id="23" name="Picture Placeholder 2"/>
+          <p:cNvSpPr>
+            <a:spLocks noGrp="1" noChangeAspect="1"/>
+          </p:cNvSpPr>
+          <p:nvPr>
+            <p:ph type="pic" idx="21"/>
+          </p:nvPr>
+        </p:nvSpPr>
+        <p:spPr>
+          <a:xfrm>
+            <a:off x="4568996" y="2298987"/>
+            <a:ext cx="2930525" cy="1524000"/>
+          </a:xfrm>
+          <a:prstGeom prst="roundRect">
+            <a:avLst>
+              <a:gd name="adj" fmla="val 0"/>
+            </a:avLst>
+          </a:prstGeom>
+          <a:noFill/>
+          <a:ln w="146050" cap="sq">
+            <a:solidFill>
+              <a:srgbClr val="FFFFFF"/>
+            </a:solidFill>
+            <a:miter lim="800000"/>
+          </a:ln>
+          <a:effectLst>
+            <a:outerShdw blurRad="55000" dist="18000" dir="5400000" algn="tl" rotWithShape="0">
+              <a:srgbClr val="000000">
+                <a:alpha val="40000"/>
+              </a:srgbClr>
+            </a:outerShdw>
+          </a:effectLst>
+          <a:scene3d>
+            <a:camera prst="orthographicFront"/>
+            <a:lightRig rig="twoPt" dir="t">
+              <a:rot lat="0" lon="0" rev="7200000"/>
+            </a:lightRig>
+          </a:scene3d>
+          <a:sp3d>
+            <a:bevelT w="25400" h="19050"/>
+            <a:contourClr>
+              <a:srgbClr val="FFFFFF"/>
+            </a:contourClr>
+          </a:sp3d>
+        </p:spPr>
+        <p:txBody>
+          <a:bodyPr anchor="t">
+            <a:normAutofit/>
+          </a:bodyPr>
+          <a:lstStyle>
+            <a:lvl1pPr marL="0" indent="0" algn="ctr">
+              <a:buNone/>
+              <a:defRPr sz="1600"/>
+            </a:lvl1pPr>
+            <a:lvl2pPr marL="457200" indent="0">
+              <a:buNone/>
+              <a:defRPr sz="1600"/>
+            </a:lvl2pPr>
+            <a:lvl3pPr marL="914400" indent="0">
+              <a:buNone/>
+              <a:defRPr sz="1600"/>
+            </a:lvl3pPr>
+            <a:lvl4pPr marL="1371600" indent="0">
+              <a:buNone/>
+              <a:defRPr sz="1600"/>
+            </a:lvl4pPr>
+            <a:lvl5pPr marL="1828800" indent="0">
+              <a:buNone/>
+              <a:defRPr sz="1600"/>
+            </a:lvl5pPr>
+            <a:lvl6pPr marL="2286000" indent="0">
+              <a:buNone/>
+              <a:defRPr sz="1600"/>
+            </a:lvl6pPr>
+            <a:lvl7pPr marL="2743200" indent="0">
+              <a:buNone/>
+              <a:defRPr sz="1600"/>
+            </a:lvl7pPr>
+            <a:lvl8pPr marL="3200400" indent="0">
+              <a:buNone/>
+              <a:defRPr sz="1600"/>
+            </a:lvl8pPr>
+            <a:lvl9pPr marL="3657600" indent="0">
+              <a:buNone/>
+              <a:defRPr sz="1600"/>
+            </a:lvl9pPr>
+          </a:lstStyle>
+          <a:p>
+            <a:r>
+              <a:rPr lang="es-ES" smtClean="0"/>
+              <a:t>Haga clic en el icono para agregar una imagen</a:t>
+            </a:r>
+            <a:endParaRPr lang="en-US" dirty="0"/>
+          </a:p>
+        </p:txBody>
+      </p:sp>
+      <p:sp>
+        <p:nvSpPr>
+          <p:cNvPr id="24" name="Text Placeholder 3"/>
+          <p:cNvSpPr>
+            <a:spLocks noGrp="1"/>
+          </p:cNvSpPr>
+          <p:nvPr>
+            <p:ph type="body" sz="half" idx="19"/>
+          </p:nvPr>
+        </p:nvSpPr>
+        <p:spPr>
+          <a:xfrm>
+            <a:off x="4441348" y="4772160"/>
+            <a:ext cx="3300336" cy="1019038"/>
+          </a:xfrm>
+        </p:spPr>
+        <p:txBody>
+          <a:bodyPr anchor="t">
+            <a:normAutofit/>
+          </a:bodyPr>
+          <a:lstStyle>
+            <a:lvl1pPr marL="0" indent="0" algn="ctr">
+              <a:buNone/>
+              <a:defRPr sz="1400"/>
+            </a:lvl1pPr>
+            <a:lvl2pPr marL="457200" indent="0">
+              <a:buNone/>
+              <a:defRPr sz="1200"/>
+            </a:lvl2pPr>
+            <a:lvl3pPr marL="914400" indent="0">
+              <a:buNone/>
+              <a:defRPr sz="1000"/>
+            </a:lvl3pPr>
+            <a:lvl4pPr marL="1371600" indent="0">
+              <a:buNone/>
+              <a:defRPr sz="900"/>
+            </a:lvl4pPr>
+            <a:lvl5pPr marL="1828800" indent="0">
+              <a:buNone/>
+              <a:defRPr sz="900"/>
+            </a:lvl5pPr>
+            <a:lvl6pPr marL="2286000" indent="0">
+              <a:buNone/>
+              <a:defRPr sz="900"/>
+            </a:lvl6pPr>
+            <a:lvl7pPr marL="2743200" indent="0">
+              <a:buNone/>
+              <a:defRPr sz="900"/>
+            </a:lvl7pPr>
+            <a:lvl8pPr marL="3200400" indent="0">
+              <a:buNone/>
+              <a:defRPr sz="900"/>
+            </a:lvl8pPr>
+            <a:lvl9pPr marL="3657600" indent="0">
+              <a:buNone/>
+              <a:defRPr sz="900"/>
+            </a:lvl9pPr>
+          </a:lstStyle>
+          <a:p>
+            <a:pPr lvl="0"/>
+            <a:r>
+              <a:rPr lang="es-ES" smtClean="0"/>
+              <a:t>Editar el estilo de texto del patrón</a:t>
+            </a:r>
+          </a:p>
+        </p:txBody>
+      </p:sp>
+      <p:sp>
+        <p:nvSpPr>
+          <p:cNvPr id="25" name="Text Placeholder 4"/>
+          <p:cNvSpPr>
+            <a:spLocks noGrp="1"/>
+          </p:cNvSpPr>
+          <p:nvPr>
+            <p:ph type="body" sz="quarter" idx="13"/>
+          </p:nvPr>
+        </p:nvSpPr>
+        <p:spPr>
+          <a:xfrm>
+            <a:off x="7973423" y="4195899"/>
+            <a:ext cx="3289900" cy="576262"/>
+          </a:xfrm>
+        </p:spPr>
+        <p:txBody>
+          <a:bodyPr anchor="b">
+            <a:noAutofit/>
+          </a:bodyPr>
+          <a:lstStyle>
+            <a:lvl1pPr marL="0" indent="0" algn="ctr">
+              <a:lnSpc>
+                <a:spcPct val="100000"/>
+              </a:lnSpc>
+              <a:buNone/>
+              <a:defRPr sz="2000" b="0">
+                <a:solidFill>
+                  <a:schemeClr val="tx1"/>
+                </a:solidFill>
+              </a:defRPr>
+            </a:lvl1pPr>
+            <a:lvl2pPr marL="457200" indent="0">
+              <a:buNone/>
+              <a:defRPr sz="2000" b="1"/>
+            </a:lvl2pPr>
+            <a:lvl3pPr marL="914400" indent="0">
+              <a:buNone/>
+              <a:defRPr sz="1800" b="1"/>
+            </a:lvl3pPr>
+            <a:lvl4pPr marL="1371600" indent="0">
+              <a:buNone/>
+              <a:defRPr sz="1600" b="1"/>
+            </a:lvl4pPr>
+            <a:lvl5pPr marL="1828800" indent="0">
+              <a:buNone/>
+              <a:defRPr sz="1600" b="1"/>
+            </a:lvl5pPr>
+            <a:lvl6pPr marL="2286000" indent="0">
+              <a:buNone/>
+              <a:defRPr sz="1600" b="1"/>
+            </a:lvl6pPr>
+            <a:lvl7pPr marL="2743200" indent="0">
+              <a:buNone/>
+              <a:defRPr sz="1600" b="1"/>
+            </a:lvl7pPr>
+            <a:lvl8pPr marL="3200400" indent="0">
+              <a:buNone/>
+              <a:defRPr sz="1600" b="1"/>
+            </a:lvl8pPr>
+            <a:lvl9pPr marL="3657600" indent="0">
+              <a:buNone/>
+              <a:defRPr sz="1600" b="1"/>
+            </a:lvl9pPr>
+          </a:lstStyle>
+          <a:p>
+            <a:pPr lvl="0"/>
+            <a:r>
+              <a:rPr lang="es-ES" smtClean="0"/>
+              <a:t>Editar el estilo de texto del patrón</a:t>
+            </a:r>
+          </a:p>
+        </p:txBody>
+      </p:sp>
+      <p:sp>
+        <p:nvSpPr>
+          <p:cNvPr id="26" name="Picture Placeholder 2"/>
+          <p:cNvSpPr>
+            <a:spLocks noGrp="1" noChangeAspect="1"/>
+          </p:cNvSpPr>
+          <p:nvPr>
+            <p:ph type="pic" idx="22"/>
+          </p:nvPr>
+        </p:nvSpPr>
+        <p:spPr>
+          <a:xfrm>
+            <a:off x="8152803" y="2298987"/>
+            <a:ext cx="2932113" cy="1524000"/>
+          </a:xfrm>
+          <a:prstGeom prst="roundRect">
+            <a:avLst>
+              <a:gd name="adj" fmla="val 0"/>
+            </a:avLst>
+          </a:prstGeom>
+          <a:noFill/>
+          <a:ln w="146050" cap="sq">
+            <a:solidFill>
+              <a:srgbClr val="FFFFFF"/>
+            </a:solidFill>
+            <a:miter lim="800000"/>
+          </a:ln>
+          <a:effectLst>
+            <a:outerShdw blurRad="55000" dist="18000" dir="5400000" algn="tl" rotWithShape="0">
+              <a:srgbClr val="000000">
+                <a:alpha val="40000"/>
+              </a:srgbClr>
+            </a:outerShdw>
+          </a:effectLst>
+          <a:scene3d>
+            <a:camera prst="orthographicFront"/>
+            <a:lightRig rig="twoPt" dir="t">
+              <a:rot lat="0" lon="0" rev="7200000"/>
+            </a:lightRig>
+          </a:scene3d>
+          <a:sp3d>
+            <a:bevelT w="25400" h="19050"/>
+            <a:contourClr>
+              <a:srgbClr val="FFFFFF"/>
+            </a:contourClr>
+          </a:sp3d>
+        </p:spPr>
+        <p:txBody>
+          <a:bodyPr anchor="t">
+            <a:normAutofit/>
+          </a:bodyPr>
+          <a:lstStyle>
+            <a:lvl1pPr marL="0" indent="0" algn="ctr">
+              <a:buNone/>
+              <a:defRPr sz="1600"/>
+            </a:lvl1pPr>
+            <a:lvl2pPr marL="457200" indent="0">
+              <a:buNone/>
+              <a:defRPr sz="1600"/>
+            </a:lvl2pPr>
+            <a:lvl3pPr marL="914400" indent="0">
+              <a:buNone/>
+              <a:defRPr sz="1600"/>
+            </a:lvl3pPr>
+            <a:lvl4pPr marL="1371600" indent="0">
+              <a:buNone/>
+              <a:defRPr sz="1600"/>
+            </a:lvl4pPr>
+            <a:lvl5pPr marL="1828800" indent="0">
+              <a:buNone/>
+              <a:defRPr sz="1600"/>
+            </a:lvl5pPr>
+            <a:lvl6pPr marL="2286000" indent="0">
+              <a:buNone/>
+              <a:defRPr sz="1600"/>
+            </a:lvl6pPr>
+            <a:lvl7pPr marL="2743200" indent="0">
+              <a:buNone/>
+              <a:defRPr sz="1600"/>
+            </a:lvl7pPr>
+            <a:lvl8pPr marL="3200400" indent="0">
+              <a:buNone/>
+              <a:defRPr sz="1600"/>
+            </a:lvl8pPr>
+            <a:lvl9pPr marL="3657600" indent="0">
+              <a:buNone/>
+              <a:defRPr sz="1600"/>
+            </a:lvl9pPr>
+          </a:lstStyle>
+          <a:p>
+            <a:r>
+              <a:rPr lang="es-ES" smtClean="0"/>
+              <a:t>Haga clic en el icono para agregar una imagen</a:t>
+            </a:r>
+            <a:endParaRPr lang="en-US" dirty="0"/>
+          </a:p>
+        </p:txBody>
+      </p:sp>
+      <p:sp>
+        <p:nvSpPr>
+          <p:cNvPr id="27" name="Text Placeholder 3"/>
+          <p:cNvSpPr>
+            <a:spLocks noGrp="1"/>
+          </p:cNvSpPr>
+          <p:nvPr>
+            <p:ph type="body" sz="half" idx="20"/>
+          </p:nvPr>
+        </p:nvSpPr>
+        <p:spPr>
+          <a:xfrm>
+            <a:off x="7973298" y="4772161"/>
+            <a:ext cx="3294258" cy="1019037"/>
+          </a:xfrm>
+        </p:spPr>
+        <p:txBody>
+          <a:bodyPr anchor="t">
+            <a:normAutofit/>
+          </a:bodyPr>
+          <a:lstStyle>
+            <a:lvl1pPr marL="0" indent="0" algn="ctr">
+              <a:buNone/>
+              <a:defRPr sz="1400"/>
+            </a:lvl1pPr>
+            <a:lvl2pPr marL="457200" indent="0">
+              <a:buNone/>
+              <a:defRPr sz="1200"/>
+            </a:lvl2pPr>
+            <a:lvl3pPr marL="914400" indent="0">
+              <a:buNone/>
+              <a:defRPr sz="1000"/>
+            </a:lvl3pPr>
+            <a:lvl4pPr marL="1371600" indent="0">
+              <a:buNone/>
+              <a:defRPr sz="900"/>
+            </a:lvl4pPr>
+            <a:lvl5pPr marL="1828800" indent="0">
+              <a:buNone/>
+              <a:defRPr sz="900"/>
+            </a:lvl5pPr>
+            <a:lvl6pPr marL="2286000" indent="0">
+              <a:buNone/>
+              <a:defRPr sz="900"/>
+            </a:lvl6pPr>
+            <a:lvl7pPr marL="2743200" indent="0">
+              <a:buNone/>
+              <a:defRPr sz="900"/>
+            </a:lvl7pPr>
+            <a:lvl8pPr marL="3200400" indent="0">
+              <a:buNone/>
+              <a:defRPr sz="900"/>
+            </a:lvl8pPr>
+            <a:lvl9pPr marL="3657600" indent="0">
+              <a:buNone/>
+              <a:defRPr sz="900"/>
+            </a:lvl9pPr>
+          </a:lstStyle>
+          <a:p>
+            <a:pPr lvl="0"/>
+            <a:r>
+              <a:rPr lang="es-ES" smtClean="0"/>
+              <a:t>Editar el estilo de texto del patrón</a:t>
+            </a:r>
+          </a:p>
+        </p:txBody>
+      </p:sp>
+      <p:sp>
+        <p:nvSpPr>
+          <p:cNvPr id="3" name="Date Placeholder 2"/>
+          <p:cNvSpPr>
+            <a:spLocks noGrp="1"/>
+          </p:cNvSpPr>
+          <p:nvPr>
+            <p:ph type="dt" sz="half" idx="10"/>
+          </p:nvPr>
+        </p:nvSpPr>
+        <p:spPr/>
+        <p:txBody>
+          <a:bodyPr/>
+          <a:lstStyle/>
+          <a:p>
+            <a:fld id="{07E177AA-8092-49C7-A85C-E88A31873C61}" type="datetimeFigureOut">
+              <a:rPr lang="es-PE" smtClean="0"/>
+              <a:t>1/05/2017</a:t>
+            </a:fld>
+            <a:endParaRPr lang="es-PE"/>
+          </a:p>
+        </p:txBody>
+      </p:sp>
+      <p:sp>
+        <p:nvSpPr>
+          <p:cNvPr id="4" name="Footer Placeholder 3"/>
+          <p:cNvSpPr>
+            <a:spLocks noGrp="1"/>
+          </p:cNvSpPr>
+          <p:nvPr>
+            <p:ph type="ftr" sz="quarter" idx="11"/>
+          </p:nvPr>
+        </p:nvSpPr>
+        <p:spPr/>
+        <p:txBody>
+          <a:bodyPr/>
+          <a:lstStyle/>
+          <a:p>
+            <a:endParaRPr lang="es-PE"/>
+          </a:p>
+        </p:txBody>
+      </p:sp>
+      <p:sp>
+        <p:nvSpPr>
+          <p:cNvPr id="5" name="Slide Number Placeholder 4"/>
+          <p:cNvSpPr>
+            <a:spLocks noGrp="1"/>
+          </p:cNvSpPr>
+          <p:nvPr>
+            <p:ph type="sldNum" sz="quarter" idx="12"/>
+          </p:nvPr>
+        </p:nvSpPr>
+        <p:spPr/>
+        <p:txBody>
+          <a:bodyPr/>
+          <a:lstStyle/>
+          <a:p>
+            <a:fld id="{EC9B5324-4AAB-4C3F-BC9F-386E03D979F9}" type="slidenum">
+              <a:rPr lang="es-PE" smtClean="0"/>
+              <a:t>‹Nº›</a:t>
+            </a:fld>
+            <a:endParaRPr lang="es-PE"/>
+          </a:p>
+        </p:txBody>
+      </p:sp>
+    </p:spTree>
+    <p:extLst>
+      <p:ext uri="{BB962C8B-B14F-4D97-AF65-F5344CB8AC3E}">
+        <p14:creationId xmlns:p14="http://schemas.microsoft.com/office/powerpoint/2010/main" val="3705505579"/>
+      </p:ext>
+    </p:extLst>
+  </p:cSld>
+  <p:clrMapOvr>
+    <a:masterClrMapping/>
+  </p:clrMapOvr>
+</p:sldLayout>
+</file>
+
+<file path=ppt/slideLayouts/slideLayout16.xml><?xml version="1.0" encoding="utf-8"?>
 <p:sldLayout xmlns:a="http://schemas.openxmlformats.org/drawingml/2006/main" xmlns:r="http://schemas.openxmlformats.org/officeDocument/2006/relationships" xmlns:p="http://schemas.openxmlformats.org/presentationml/2006/main" type="vertTx" preserve="1">
   <p:cSld name="Título y texto vertical">
     <p:spTree>
@@ -318,7 +2876,7 @@
       </p:grpSpPr>
       <p:sp>
         <p:nvSpPr>
-          <p:cNvPr id="2" name="Título 1"/>
+          <p:cNvPr id="2" name="Title 1"/>
           <p:cNvSpPr>
             <a:spLocks noGrp="1"/>
           </p:cNvSpPr>
@@ -335,13 +2893,13 @@
               <a:rPr lang="es-ES" smtClean="0"/>
               <a:t>Haga clic para modificar el estilo de título del patrón</a:t>
             </a:r>
-            <a:endParaRPr lang="es-PE"/>
-          </a:p>
-        </p:txBody>
-      </p:sp>
-      <p:sp>
-        <p:nvSpPr>
-          <p:cNvPr id="3" name="Marcador de texto vertical 2"/>
+            <a:endParaRPr lang="en-US" dirty="0"/>
+          </a:p>
+        </p:txBody>
+      </p:sp>
+      <p:sp>
+        <p:nvSpPr>
+          <p:cNvPr id="3" name="Vertical Text Placeholder 2"/>
           <p:cNvSpPr>
             <a:spLocks noGrp="1"/>
           </p:cNvSpPr>
@@ -387,13 +2945,13 @@
               <a:rPr lang="es-ES" smtClean="0"/>
               <a:t>Quinto nivel</a:t>
             </a:r>
-            <a:endParaRPr lang="es-PE"/>
-          </a:p>
-        </p:txBody>
-      </p:sp>
-      <p:sp>
-        <p:nvSpPr>
-          <p:cNvPr id="4" name="Marcador de fecha 3"/>
+            <a:endParaRPr lang="en-US" dirty="0"/>
+          </a:p>
+        </p:txBody>
+      </p:sp>
+      <p:sp>
+        <p:nvSpPr>
+          <p:cNvPr id="4" name="Date Placeholder 3"/>
           <p:cNvSpPr>
             <a:spLocks noGrp="1"/>
           </p:cNvSpPr>
@@ -416,7 +2974,7 @@
       </p:sp>
       <p:sp>
         <p:nvSpPr>
-          <p:cNvPr id="5" name="Marcador de pie de página 4"/>
+          <p:cNvPr id="5" name="Footer Placeholder 4"/>
           <p:cNvSpPr>
             <a:spLocks noGrp="1"/>
           </p:cNvSpPr>
@@ -435,7 +2993,7 @@
       </p:sp>
       <p:sp>
         <p:nvSpPr>
-          <p:cNvPr id="6" name="Marcador de número de diapositiva 5"/>
+          <p:cNvPr id="6" name="Slide Number Placeholder 5"/>
           <p:cNvSpPr>
             <a:spLocks noGrp="1"/>
           </p:cNvSpPr>
@@ -459,7 +3017,7 @@
     </p:spTree>
     <p:extLst>
       <p:ext uri="{BB962C8B-B14F-4D97-AF65-F5344CB8AC3E}">
-        <p14:creationId xmlns:p14="http://schemas.microsoft.com/office/powerpoint/2010/main" val="2680426389"/>
+        <p14:creationId xmlns:p14="http://schemas.microsoft.com/office/powerpoint/2010/main" val="2603771813"/>
       </p:ext>
     </p:extLst>
   </p:cSld>
@@ -469,7 +3027,7 @@
 </p:sldLayout>
 </file>
 
-<file path=ppt/slideLayouts/slideLayout11.xml><?xml version="1.0" encoding="utf-8"?>
+<file path=ppt/slideLayouts/slideLayout17.xml><?xml version="1.0" encoding="utf-8"?>
 <p:sldLayout xmlns:a="http://schemas.openxmlformats.org/drawingml/2006/main" xmlns:r="http://schemas.openxmlformats.org/officeDocument/2006/relationships" xmlns:p="http://schemas.openxmlformats.org/presentationml/2006/main" type="vertTitleAndTx" preserve="1">
   <p:cSld name="Título vertical y texto">
     <p:spTree>
@@ -488,7 +3046,7 @@
       </p:grpSpPr>
       <p:sp>
         <p:nvSpPr>
-          <p:cNvPr id="2" name="Título vertical 1"/>
+          <p:cNvPr id="2" name="Vertical Title 1"/>
           <p:cNvSpPr>
             <a:spLocks noGrp="1"/>
           </p:cNvSpPr>
@@ -498,25 +3056,29 @@
         </p:nvSpPr>
         <p:spPr>
           <a:xfrm>
-            <a:off x="8724900" y="365125"/>
-            <a:ext cx="2628900" cy="5811838"/>
+            <a:off x="8724900" y="609599"/>
+            <a:ext cx="2542657" cy="5181601"/>
           </a:xfrm>
         </p:spPr>
         <p:txBody>
           <a:bodyPr vert="eaVert"/>
-          <a:lstStyle/>
+          <a:lstStyle>
+            <a:lvl1pPr algn="l">
+              <a:defRPr/>
+            </a:lvl1pPr>
+          </a:lstStyle>
           <a:p>
             <a:r>
               <a:rPr lang="es-ES" smtClean="0"/>
               <a:t>Haga clic para modificar el estilo de título del patrón</a:t>
             </a:r>
-            <a:endParaRPr lang="es-PE"/>
-          </a:p>
-        </p:txBody>
-      </p:sp>
-      <p:sp>
-        <p:nvSpPr>
-          <p:cNvPr id="3" name="Marcador de texto vertical 2"/>
+            <a:endParaRPr lang="en-US" dirty="0"/>
+          </a:p>
+        </p:txBody>
+      </p:sp>
+      <p:sp>
+        <p:nvSpPr>
+          <p:cNvPr id="3" name="Vertical Text Placeholder 2"/>
           <p:cNvSpPr>
             <a:spLocks noGrp="1"/>
           </p:cNvSpPr>
@@ -526,8 +3088,8 @@
         </p:nvSpPr>
         <p:spPr>
           <a:xfrm>
-            <a:off x="838200" y="365125"/>
-            <a:ext cx="7734300" cy="5811838"/>
+            <a:off x="913794" y="609599"/>
+            <a:ext cx="7658705" cy="5181601"/>
           </a:xfrm>
         </p:spPr>
         <p:txBody>
@@ -567,13 +3129,13 @@
               <a:rPr lang="es-ES" smtClean="0"/>
               <a:t>Quinto nivel</a:t>
             </a:r>
-            <a:endParaRPr lang="es-PE"/>
-          </a:p>
-        </p:txBody>
-      </p:sp>
-      <p:sp>
-        <p:nvSpPr>
-          <p:cNvPr id="4" name="Marcador de fecha 3"/>
+            <a:endParaRPr lang="en-US" dirty="0"/>
+          </a:p>
+        </p:txBody>
+      </p:sp>
+      <p:sp>
+        <p:nvSpPr>
+          <p:cNvPr id="4" name="Date Placeholder 3"/>
           <p:cNvSpPr>
             <a:spLocks noGrp="1"/>
           </p:cNvSpPr>
@@ -596,7 +3158,7 @@
       </p:sp>
       <p:sp>
         <p:nvSpPr>
-          <p:cNvPr id="5" name="Marcador de pie de página 4"/>
+          <p:cNvPr id="5" name="Footer Placeholder 4"/>
           <p:cNvSpPr>
             <a:spLocks noGrp="1"/>
           </p:cNvSpPr>
@@ -615,7 +3177,7 @@
       </p:sp>
       <p:sp>
         <p:nvSpPr>
-          <p:cNvPr id="6" name="Marcador de número de diapositiva 5"/>
+          <p:cNvPr id="6" name="Slide Number Placeholder 5"/>
           <p:cNvSpPr>
             <a:spLocks noGrp="1"/>
           </p:cNvSpPr>
@@ -639,7 +3201,7 @@
     </p:spTree>
     <p:extLst>
       <p:ext uri="{BB962C8B-B14F-4D97-AF65-F5344CB8AC3E}">
-        <p14:creationId xmlns:p14="http://schemas.microsoft.com/office/powerpoint/2010/main" val="2624958467"/>
+        <p14:creationId xmlns:p14="http://schemas.microsoft.com/office/powerpoint/2010/main" val="6274450"/>
       </p:ext>
     </p:extLst>
   </p:cSld>
@@ -668,7 +3230,7 @@
       </p:grpSpPr>
       <p:sp>
         <p:nvSpPr>
-          <p:cNvPr id="2" name="Título 1"/>
+          <p:cNvPr id="2" name="Title 1"/>
           <p:cNvSpPr>
             <a:spLocks noGrp="1"/>
           </p:cNvSpPr>
@@ -685,13 +3247,13 @@
               <a:rPr lang="es-ES" smtClean="0"/>
               <a:t>Haga clic para modificar el estilo de título del patrón</a:t>
             </a:r>
-            <a:endParaRPr lang="es-PE"/>
-          </a:p>
-        </p:txBody>
-      </p:sp>
-      <p:sp>
-        <p:nvSpPr>
-          <p:cNvPr id="3" name="Marcador de contenido 2"/>
+            <a:endParaRPr lang="en-US" dirty="0"/>
+          </a:p>
+        </p:txBody>
+      </p:sp>
+      <p:sp>
+        <p:nvSpPr>
+          <p:cNvPr id="3" name="Content Placeholder 2"/>
           <p:cNvSpPr>
             <a:spLocks noGrp="1"/>
           </p:cNvSpPr>
@@ -737,13 +3299,13 @@
               <a:rPr lang="es-ES" smtClean="0"/>
               <a:t>Quinto nivel</a:t>
             </a:r>
-            <a:endParaRPr lang="es-PE"/>
-          </a:p>
-        </p:txBody>
-      </p:sp>
-      <p:sp>
-        <p:nvSpPr>
-          <p:cNvPr id="4" name="Marcador de fecha 3"/>
+            <a:endParaRPr lang="en-US" dirty="0"/>
+          </a:p>
+        </p:txBody>
+      </p:sp>
+      <p:sp>
+        <p:nvSpPr>
+          <p:cNvPr id="4" name="Date Placeholder 3"/>
           <p:cNvSpPr>
             <a:spLocks noGrp="1"/>
           </p:cNvSpPr>
@@ -766,7 +3328,7 @@
       </p:sp>
       <p:sp>
         <p:nvSpPr>
-          <p:cNvPr id="5" name="Marcador de pie de página 4"/>
+          <p:cNvPr id="5" name="Footer Placeholder 4"/>
           <p:cNvSpPr>
             <a:spLocks noGrp="1"/>
           </p:cNvSpPr>
@@ -785,7 +3347,7 @@
       </p:sp>
       <p:sp>
         <p:nvSpPr>
-          <p:cNvPr id="6" name="Marcador de número de diapositiva 5"/>
+          <p:cNvPr id="6" name="Slide Number Placeholder 5"/>
           <p:cNvSpPr>
             <a:spLocks noGrp="1"/>
           </p:cNvSpPr>
@@ -809,7 +3371,7 @@
     </p:spTree>
     <p:extLst>
       <p:ext uri="{BB962C8B-B14F-4D97-AF65-F5344CB8AC3E}">
-        <p14:creationId xmlns:p14="http://schemas.microsoft.com/office/powerpoint/2010/main" val="2659714176"/>
+        <p14:creationId xmlns:p14="http://schemas.microsoft.com/office/powerpoint/2010/main" val="791183519"/>
       </p:ext>
     </p:extLst>
   </p:cSld>
@@ -838,7 +3400,7 @@
       </p:grpSpPr>
       <p:sp>
         <p:nvSpPr>
-          <p:cNvPr id="2" name="Título 1"/>
+          <p:cNvPr id="2" name="Title 1"/>
           <p:cNvSpPr>
             <a:spLocks noGrp="1"/>
           </p:cNvSpPr>
@@ -848,15 +3410,17 @@
         </p:nvSpPr>
         <p:spPr>
           <a:xfrm>
-            <a:off x="831850" y="1709738"/>
-            <a:ext cx="10515600" cy="2852737"/>
+            <a:off x="1229244" y="657226"/>
+            <a:ext cx="9733512" cy="2852737"/>
           </a:xfrm>
         </p:spPr>
         <p:txBody>
-          <a:bodyPr anchor="b"/>
+          <a:bodyPr anchor="b">
+            <a:normAutofit/>
+          </a:bodyPr>
           <a:lstStyle>
             <a:lvl1pPr>
-              <a:defRPr sz="6000"/>
+              <a:defRPr sz="3400"/>
             </a:lvl1pPr>
           </a:lstStyle>
           <a:p>
@@ -864,13 +3428,13 @@
               <a:rPr lang="es-ES" smtClean="0"/>
               <a:t>Haga clic para modificar el estilo de título del patrón</a:t>
             </a:r>
-            <a:endParaRPr lang="es-PE"/>
-          </a:p>
-        </p:txBody>
-      </p:sp>
-      <p:sp>
-        <p:nvSpPr>
-          <p:cNvPr id="3" name="Marcador de texto 2"/>
+            <a:endParaRPr lang="en-US" dirty="0"/>
+          </a:p>
+        </p:txBody>
+      </p:sp>
+      <p:sp>
+        <p:nvSpPr>
+          <p:cNvPr id="3" name="Text Placeholder 2"/>
           <p:cNvSpPr>
             <a:spLocks noGrp="1"/>
           </p:cNvSpPr>
@@ -880,14 +3444,14 @@
         </p:nvSpPr>
         <p:spPr>
           <a:xfrm>
-            <a:off x="831850" y="4589463"/>
-            <a:ext cx="10515600" cy="1500187"/>
+            <a:off x="1229244" y="3602038"/>
+            <a:ext cx="9733512" cy="1500187"/>
           </a:xfrm>
         </p:spPr>
         <p:txBody>
           <a:bodyPr/>
           <a:lstStyle>
-            <a:lvl1pPr marL="0" indent="0">
+            <a:lvl1pPr marL="0" indent="0" algn="ctr">
               <a:buNone/>
               <a:defRPr sz="2400">
                 <a:solidFill>
@@ -989,7 +3553,7 @@
       </p:sp>
       <p:sp>
         <p:nvSpPr>
-          <p:cNvPr id="4" name="Marcador de fecha 3"/>
+          <p:cNvPr id="4" name="Date Placeholder 3"/>
           <p:cNvSpPr>
             <a:spLocks noGrp="1"/>
           </p:cNvSpPr>
@@ -1012,7 +3576,7 @@
       </p:sp>
       <p:sp>
         <p:nvSpPr>
-          <p:cNvPr id="5" name="Marcador de pie de página 4"/>
+          <p:cNvPr id="5" name="Footer Placeholder 4"/>
           <p:cNvSpPr>
             <a:spLocks noGrp="1"/>
           </p:cNvSpPr>
@@ -1031,7 +3595,7 @@
       </p:sp>
       <p:sp>
         <p:nvSpPr>
-          <p:cNvPr id="6" name="Marcador de número de diapositiva 5"/>
+          <p:cNvPr id="6" name="Slide Number Placeholder 5"/>
           <p:cNvSpPr>
             <a:spLocks noGrp="1"/>
           </p:cNvSpPr>
@@ -1055,7 +3619,7 @@
     </p:spTree>
     <p:extLst>
       <p:ext uri="{BB962C8B-B14F-4D97-AF65-F5344CB8AC3E}">
-        <p14:creationId xmlns:p14="http://schemas.microsoft.com/office/powerpoint/2010/main" val="1728649423"/>
+        <p14:creationId xmlns:p14="http://schemas.microsoft.com/office/powerpoint/2010/main" val="1911862982"/>
       </p:ext>
     </p:extLst>
   </p:cSld>
@@ -1084,98 +3648,46 @@
       </p:grpSpPr>
       <p:sp>
         <p:nvSpPr>
-          <p:cNvPr id="2" name="Título 1"/>
+          <p:cNvPr id="2" name="Title 1"/>
           <p:cNvSpPr>
             <a:spLocks noGrp="1"/>
           </p:cNvSpPr>
           <p:nvPr>
             <p:ph type="title"/>
-          </p:nvPr>
-        </p:nvSpPr>
-        <p:spPr/>
-        <p:txBody>
-          <a:bodyPr/>
-          <a:lstStyle/>
-          <a:p>
-            <a:r>
-              <a:rPr lang="es-ES" smtClean="0"/>
-              <a:t>Haga clic para modificar el estilo de título del patrón</a:t>
-            </a:r>
-            <a:endParaRPr lang="es-PE"/>
-          </a:p>
-        </p:txBody>
-      </p:sp>
-      <p:sp>
-        <p:nvSpPr>
-          <p:cNvPr id="3" name="Marcador de contenido 2"/>
-          <p:cNvSpPr>
-            <a:spLocks noGrp="1"/>
-          </p:cNvSpPr>
-          <p:nvPr>
-            <p:ph sz="half" idx="1"/>
           </p:nvPr>
         </p:nvSpPr>
         <p:spPr>
           <a:xfrm>
-            <a:off x="838200" y="1825625"/>
-            <a:ext cx="5181600" cy="4351338"/>
+            <a:off x="913795" y="609600"/>
+            <a:ext cx="10353761" cy="1326321"/>
           </a:xfrm>
         </p:spPr>
         <p:txBody>
           <a:bodyPr/>
           <a:lstStyle/>
           <a:p>
-            <a:pPr lvl="0"/>
-            <a:r>
-              <a:rPr lang="es-ES" smtClean="0"/>
-              <a:t>Editar el estilo de texto del patrón</a:t>
-            </a:r>
-          </a:p>
-          <a:p>
-            <a:pPr lvl="1"/>
-            <a:r>
-              <a:rPr lang="es-ES" smtClean="0"/>
-              <a:t>Segundo nivel</a:t>
-            </a:r>
-          </a:p>
-          <a:p>
-            <a:pPr lvl="2"/>
-            <a:r>
-              <a:rPr lang="es-ES" smtClean="0"/>
-              <a:t>Tercer nivel</a:t>
-            </a:r>
-          </a:p>
-          <a:p>
-            <a:pPr lvl="3"/>
-            <a:r>
-              <a:rPr lang="es-ES" smtClean="0"/>
-              <a:t>Cuarto nivel</a:t>
-            </a:r>
-          </a:p>
-          <a:p>
-            <a:pPr lvl="4"/>
-            <a:r>
-              <a:rPr lang="es-ES" smtClean="0"/>
-              <a:t>Quinto nivel</a:t>
-            </a:r>
-            <a:endParaRPr lang="es-PE"/>
-          </a:p>
-        </p:txBody>
-      </p:sp>
-      <p:sp>
-        <p:nvSpPr>
-          <p:cNvPr id="4" name="Marcador de contenido 3"/>
-          <p:cNvSpPr>
-            <a:spLocks noGrp="1"/>
-          </p:cNvSpPr>
-          <p:nvPr>
-            <p:ph sz="half" idx="2"/>
+            <a:r>
+              <a:rPr lang="es-ES" smtClean="0"/>
+              <a:t>Haga clic para modificar el estilo de título del patrón</a:t>
+            </a:r>
+            <a:endParaRPr lang="en-US" dirty="0"/>
+          </a:p>
+        </p:txBody>
+      </p:sp>
+      <p:sp>
+        <p:nvSpPr>
+          <p:cNvPr id="3" name="Content Placeholder 2"/>
+          <p:cNvSpPr>
+            <a:spLocks noGrp="1"/>
+          </p:cNvSpPr>
+          <p:nvPr>
+            <p:ph sz="half" idx="1"/>
           </p:nvPr>
         </p:nvSpPr>
         <p:spPr>
           <a:xfrm>
-            <a:off x="6172200" y="1825625"/>
-            <a:ext cx="5181600" cy="4351338"/>
+            <a:off x="913795" y="2088319"/>
+            <a:ext cx="5106004" cy="3702881"/>
           </a:xfrm>
         </p:spPr>
         <p:txBody>
@@ -1215,13 +3727,70 @@
               <a:rPr lang="es-ES" smtClean="0"/>
               <a:t>Quinto nivel</a:t>
             </a:r>
-            <a:endParaRPr lang="es-PE"/>
-          </a:p>
-        </p:txBody>
-      </p:sp>
-      <p:sp>
-        <p:nvSpPr>
-          <p:cNvPr id="5" name="Marcador de fecha 4"/>
+            <a:endParaRPr lang="en-US" dirty="0"/>
+          </a:p>
+        </p:txBody>
+      </p:sp>
+      <p:sp>
+        <p:nvSpPr>
+          <p:cNvPr id="4" name="Content Placeholder 3"/>
+          <p:cNvSpPr>
+            <a:spLocks noGrp="1"/>
+          </p:cNvSpPr>
+          <p:nvPr>
+            <p:ph sz="half" idx="2"/>
+          </p:nvPr>
+        </p:nvSpPr>
+        <p:spPr>
+          <a:xfrm>
+            <a:off x="6173403" y="2088319"/>
+            <a:ext cx="5094154" cy="3702881"/>
+          </a:xfrm>
+        </p:spPr>
+        <p:txBody>
+          <a:bodyPr/>
+          <a:lstStyle/>
+          <a:p>
+            <a:pPr lvl="0"/>
+            <a:r>
+              <a:rPr lang="es-ES" smtClean="0"/>
+              <a:t>Editar el estilo de texto del patrón</a:t>
+            </a:r>
+          </a:p>
+          <a:p>
+            <a:pPr lvl="1"/>
+            <a:r>
+              <a:rPr lang="es-ES" smtClean="0"/>
+              <a:t>Segundo nivel</a:t>
+            </a:r>
+          </a:p>
+          <a:p>
+            <a:pPr lvl="2"/>
+            <a:r>
+              <a:rPr lang="es-ES" smtClean="0"/>
+              <a:t>Tercer nivel</a:t>
+            </a:r>
+          </a:p>
+          <a:p>
+            <a:pPr lvl="3"/>
+            <a:r>
+              <a:rPr lang="es-ES" smtClean="0"/>
+              <a:t>Cuarto nivel</a:t>
+            </a:r>
+          </a:p>
+          <a:p>
+            <a:pPr lvl="4"/>
+            <a:r>
+              <a:rPr lang="es-ES" smtClean="0"/>
+              <a:t>Quinto nivel</a:t>
+            </a:r>
+            <a:endParaRPr lang="en-US" dirty="0"/>
+          </a:p>
+        </p:txBody>
+      </p:sp>
+      <p:sp>
+        <p:nvSpPr>
+          <p:cNvPr id="5" name="Date Placeholder 4"/>
           <p:cNvSpPr>
             <a:spLocks noGrp="1"/>
           </p:cNvSpPr>
@@ -1244,7 +3813,7 @@
       </p:sp>
       <p:sp>
         <p:nvSpPr>
-          <p:cNvPr id="6" name="Marcador de pie de página 5"/>
+          <p:cNvPr id="6" name="Footer Placeholder 5"/>
           <p:cNvSpPr>
             <a:spLocks noGrp="1"/>
           </p:cNvSpPr>
@@ -1263,7 +3832,7 @@
       </p:sp>
       <p:sp>
         <p:nvSpPr>
-          <p:cNvPr id="7" name="Marcador de número de diapositiva 6"/>
+          <p:cNvPr id="7" name="Slide Number Placeholder 6"/>
           <p:cNvSpPr>
             <a:spLocks noGrp="1"/>
           </p:cNvSpPr>
@@ -1287,7 +3856,7 @@
     </p:spTree>
     <p:extLst>
       <p:ext uri="{BB962C8B-B14F-4D97-AF65-F5344CB8AC3E}">
-        <p14:creationId xmlns:p14="http://schemas.microsoft.com/office/powerpoint/2010/main" val="3620215050"/>
+        <p14:creationId xmlns:p14="http://schemas.microsoft.com/office/powerpoint/2010/main" val="168475245"/>
       </p:ext>
     </p:extLst>
   </p:cSld>
@@ -1316,7 +3885,7 @@
       </p:grpSpPr>
       <p:sp>
         <p:nvSpPr>
-          <p:cNvPr id="2" name="Título 1"/>
+          <p:cNvPr id="2" name="Title 1"/>
           <p:cNvSpPr>
             <a:spLocks noGrp="1"/>
           </p:cNvSpPr>
@@ -1326,8 +3895,8 @@
         </p:nvSpPr>
         <p:spPr>
           <a:xfrm>
-            <a:off x="839788" y="365125"/>
-            <a:ext cx="10515600" cy="1325563"/>
+            <a:off x="913795" y="609600"/>
+            <a:ext cx="10353761" cy="1325563"/>
           </a:xfrm>
         </p:spPr>
         <p:txBody>
@@ -1338,13 +3907,13 @@
               <a:rPr lang="es-ES" smtClean="0"/>
               <a:t>Haga clic para modificar el estilo de título del patrón</a:t>
             </a:r>
-            <a:endParaRPr lang="es-PE"/>
-          </a:p>
-        </p:txBody>
-      </p:sp>
-      <p:sp>
-        <p:nvSpPr>
-          <p:cNvPr id="3" name="Marcador de texto 2"/>
+            <a:endParaRPr lang="en-US" dirty="0"/>
+          </a:p>
+        </p:txBody>
+      </p:sp>
+      <p:sp>
+        <p:nvSpPr>
+          <p:cNvPr id="3" name="Text Placeholder 2"/>
           <p:cNvSpPr>
             <a:spLocks noGrp="1"/>
           </p:cNvSpPr>
@@ -1354,14 +3923,17 @@
         </p:nvSpPr>
         <p:spPr>
           <a:xfrm>
-            <a:off x="839788" y="1681163"/>
-            <a:ext cx="5157787" cy="823912"/>
+            <a:off x="1141804" y="2088320"/>
+            <a:ext cx="4879199" cy="823912"/>
           </a:xfrm>
         </p:spPr>
         <p:txBody>
           <a:bodyPr anchor="b"/>
           <a:lstStyle>
             <a:lvl1pPr marL="0" indent="0">
+              <a:lnSpc>
+                <a:spcPct val="100000"/>
+              </a:lnSpc>
               <a:buNone/>
               <a:defRPr sz="2400" b="1"/>
             </a:lvl1pPr>
@@ -1409,7 +3981,7 @@
       </p:sp>
       <p:sp>
         <p:nvSpPr>
-          <p:cNvPr id="4" name="Marcador de contenido 3"/>
+          <p:cNvPr id="4" name="Content Placeholder 3"/>
           <p:cNvSpPr>
             <a:spLocks noGrp="1"/>
           </p:cNvSpPr>
@@ -1419,8 +3991,8 @@
         </p:nvSpPr>
         <p:spPr>
           <a:xfrm>
-            <a:off x="839788" y="2505075"/>
-            <a:ext cx="5157787" cy="3684588"/>
+            <a:off x="913795" y="2912232"/>
+            <a:ext cx="5107208" cy="2878968"/>
           </a:xfrm>
         </p:spPr>
         <p:txBody>
@@ -1460,13 +4032,13 @@
               <a:rPr lang="es-ES" smtClean="0"/>
               <a:t>Quinto nivel</a:t>
             </a:r>
-            <a:endParaRPr lang="es-PE"/>
-          </a:p>
-        </p:txBody>
-      </p:sp>
-      <p:sp>
-        <p:nvSpPr>
-          <p:cNvPr id="5" name="Marcador de texto 4"/>
+            <a:endParaRPr lang="en-US" dirty="0"/>
+          </a:p>
+        </p:txBody>
+      </p:sp>
+      <p:sp>
+        <p:nvSpPr>
+          <p:cNvPr id="5" name="Text Placeholder 4"/>
           <p:cNvSpPr>
             <a:spLocks noGrp="1"/>
           </p:cNvSpPr>
@@ -1476,14 +4048,17 @@
         </p:nvSpPr>
         <p:spPr>
           <a:xfrm>
-            <a:off x="6172200" y="1681163"/>
-            <a:ext cx="5183188" cy="823912"/>
+            <a:off x="6402003" y="2088320"/>
+            <a:ext cx="4865554" cy="823912"/>
           </a:xfrm>
         </p:spPr>
         <p:txBody>
           <a:bodyPr anchor="b"/>
           <a:lstStyle>
             <a:lvl1pPr marL="0" indent="0">
+              <a:lnSpc>
+                <a:spcPct val="100000"/>
+              </a:lnSpc>
               <a:buNone/>
               <a:defRPr sz="2400" b="1"/>
             </a:lvl1pPr>
@@ -1531,7 +4106,7 @@
       </p:sp>
       <p:sp>
         <p:nvSpPr>
-          <p:cNvPr id="6" name="Marcador de contenido 5"/>
+          <p:cNvPr id="6" name="Content Placeholder 5"/>
           <p:cNvSpPr>
             <a:spLocks noGrp="1"/>
           </p:cNvSpPr>
@@ -1541,8 +4116,8 @@
         </p:nvSpPr>
         <p:spPr>
           <a:xfrm>
-            <a:off x="6172200" y="2505075"/>
-            <a:ext cx="5183188" cy="3684588"/>
+            <a:off x="6172200" y="2912232"/>
+            <a:ext cx="5095357" cy="2878968"/>
           </a:xfrm>
         </p:spPr>
         <p:txBody>
@@ -1582,13 +4157,13 @@
               <a:rPr lang="es-ES" smtClean="0"/>
               <a:t>Quinto nivel</a:t>
             </a:r>
-            <a:endParaRPr lang="es-PE"/>
-          </a:p>
-        </p:txBody>
-      </p:sp>
-      <p:sp>
-        <p:nvSpPr>
-          <p:cNvPr id="7" name="Marcador de fecha 6"/>
+            <a:endParaRPr lang="en-US" dirty="0"/>
+          </a:p>
+        </p:txBody>
+      </p:sp>
+      <p:sp>
+        <p:nvSpPr>
+          <p:cNvPr id="7" name="Date Placeholder 6"/>
           <p:cNvSpPr>
             <a:spLocks noGrp="1"/>
           </p:cNvSpPr>
@@ -1611,7 +4186,7 @@
       </p:sp>
       <p:sp>
         <p:nvSpPr>
-          <p:cNvPr id="8" name="Marcador de pie de página 7"/>
+          <p:cNvPr id="8" name="Footer Placeholder 7"/>
           <p:cNvSpPr>
             <a:spLocks noGrp="1"/>
           </p:cNvSpPr>
@@ -1630,7 +4205,7 @@
       </p:sp>
       <p:sp>
         <p:nvSpPr>
-          <p:cNvPr id="9" name="Marcador de número de diapositiva 8"/>
+          <p:cNvPr id="9" name="Slide Number Placeholder 8"/>
           <p:cNvSpPr>
             <a:spLocks noGrp="1"/>
           </p:cNvSpPr>
@@ -1654,7 +4229,7 @@
     </p:spTree>
     <p:extLst>
       <p:ext uri="{BB962C8B-B14F-4D97-AF65-F5344CB8AC3E}">
-        <p14:creationId xmlns:p14="http://schemas.microsoft.com/office/powerpoint/2010/main" val="1230538225"/>
+        <p14:creationId xmlns:p14="http://schemas.microsoft.com/office/powerpoint/2010/main" val="2461742669"/>
       </p:ext>
     </p:extLst>
   </p:cSld>
@@ -1683,7 +4258,7 @@
       </p:grpSpPr>
       <p:sp>
         <p:nvSpPr>
-          <p:cNvPr id="2" name="Título 1"/>
+          <p:cNvPr id="2" name="Title 1"/>
           <p:cNvSpPr>
             <a:spLocks noGrp="1"/>
           </p:cNvSpPr>
@@ -1700,13 +4275,13 @@
               <a:rPr lang="es-ES" smtClean="0"/>
               <a:t>Haga clic para modificar el estilo de título del patrón</a:t>
             </a:r>
-            <a:endParaRPr lang="es-PE"/>
-          </a:p>
-        </p:txBody>
-      </p:sp>
-      <p:sp>
-        <p:nvSpPr>
-          <p:cNvPr id="3" name="Marcador de fecha 2"/>
+            <a:endParaRPr lang="en-US" dirty="0"/>
+          </a:p>
+        </p:txBody>
+      </p:sp>
+      <p:sp>
+        <p:nvSpPr>
+          <p:cNvPr id="3" name="Date Placeholder 2"/>
           <p:cNvSpPr>
             <a:spLocks noGrp="1"/>
           </p:cNvSpPr>
@@ -1729,7 +4304,7 @@
       </p:sp>
       <p:sp>
         <p:nvSpPr>
-          <p:cNvPr id="4" name="Marcador de pie de página 3"/>
+          <p:cNvPr id="4" name="Footer Placeholder 3"/>
           <p:cNvSpPr>
             <a:spLocks noGrp="1"/>
           </p:cNvSpPr>
@@ -1748,7 +4323,7 @@
       </p:sp>
       <p:sp>
         <p:nvSpPr>
-          <p:cNvPr id="5" name="Marcador de número de diapositiva 4"/>
+          <p:cNvPr id="5" name="Slide Number Placeholder 4"/>
           <p:cNvSpPr>
             <a:spLocks noGrp="1"/>
           </p:cNvSpPr>
@@ -1772,7 +4347,7 @@
     </p:spTree>
     <p:extLst>
       <p:ext uri="{BB962C8B-B14F-4D97-AF65-F5344CB8AC3E}">
-        <p14:creationId xmlns:p14="http://schemas.microsoft.com/office/powerpoint/2010/main" val="3318851832"/>
+        <p14:creationId xmlns:p14="http://schemas.microsoft.com/office/powerpoint/2010/main" val="1965004206"/>
       </p:ext>
     </p:extLst>
   </p:cSld>
@@ -1801,7 +4376,7 @@
       </p:grpSpPr>
       <p:sp>
         <p:nvSpPr>
-          <p:cNvPr id="2" name="Marcador de fecha 1"/>
+          <p:cNvPr id="2" name="Date Placeholder 1"/>
           <p:cNvSpPr>
             <a:spLocks noGrp="1"/>
           </p:cNvSpPr>
@@ -1824,7 +4399,7 @@
       </p:sp>
       <p:sp>
         <p:nvSpPr>
-          <p:cNvPr id="3" name="Marcador de pie de página 2"/>
+          <p:cNvPr id="3" name="Footer Placeholder 2"/>
           <p:cNvSpPr>
             <a:spLocks noGrp="1"/>
           </p:cNvSpPr>
@@ -1843,7 +4418,7 @@
       </p:sp>
       <p:sp>
         <p:nvSpPr>
-          <p:cNvPr id="4" name="Marcador de número de diapositiva 3"/>
+          <p:cNvPr id="4" name="Slide Number Placeholder 3"/>
           <p:cNvSpPr>
             <a:spLocks noGrp="1"/>
           </p:cNvSpPr>
@@ -1867,7 +4442,7 @@
     </p:spTree>
     <p:extLst>
       <p:ext uri="{BB962C8B-B14F-4D97-AF65-F5344CB8AC3E}">
-        <p14:creationId xmlns:p14="http://schemas.microsoft.com/office/powerpoint/2010/main" val="2201416868"/>
+        <p14:creationId xmlns:p14="http://schemas.microsoft.com/office/powerpoint/2010/main" val="2626878892"/>
       </p:ext>
     </p:extLst>
   </p:cSld>
@@ -1896,7 +4471,7 @@
       </p:grpSpPr>
       <p:sp>
         <p:nvSpPr>
-          <p:cNvPr id="2" name="Título 1"/>
+          <p:cNvPr id="2" name="Title 1"/>
           <p:cNvSpPr>
             <a:spLocks noGrp="1"/>
           </p:cNvSpPr>
@@ -1906,15 +4481,17 @@
         </p:nvSpPr>
         <p:spPr>
           <a:xfrm>
-            <a:off x="839788" y="457200"/>
-            <a:ext cx="3932237" cy="1600200"/>
+            <a:off x="917228" y="609600"/>
+            <a:ext cx="3932237" cy="2362200"/>
           </a:xfrm>
         </p:spPr>
         <p:txBody>
-          <a:bodyPr anchor="b"/>
+          <a:bodyPr anchor="b">
+            <a:normAutofit/>
+          </a:bodyPr>
           <a:lstStyle>
             <a:lvl1pPr>
-              <a:defRPr sz="3200"/>
+              <a:defRPr sz="2800"/>
             </a:lvl1pPr>
           </a:lstStyle>
           <a:p>
@@ -1922,13 +4499,13 @@
               <a:rPr lang="es-ES" smtClean="0"/>
               <a:t>Haga clic para modificar el estilo de título del patrón</a:t>
             </a:r>
-            <a:endParaRPr lang="es-PE"/>
-          </a:p>
-        </p:txBody>
-      </p:sp>
-      <p:sp>
-        <p:nvSpPr>
-          <p:cNvPr id="3" name="Marcador de contenido 2"/>
+            <a:endParaRPr lang="en-US" dirty="0"/>
+          </a:p>
+        </p:txBody>
+      </p:sp>
+      <p:sp>
+        <p:nvSpPr>
+          <p:cNvPr id="3" name="Content Placeholder 2"/>
           <p:cNvSpPr>
             <a:spLocks noGrp="1"/>
           </p:cNvSpPr>
@@ -1938,41 +4515,13 @@
         </p:nvSpPr>
         <p:spPr>
           <a:xfrm>
-            <a:off x="5183188" y="987425"/>
-            <a:ext cx="6172200" cy="4873625"/>
+            <a:off x="5078064" y="609600"/>
+            <a:ext cx="6189492" cy="5181600"/>
           </a:xfrm>
         </p:spPr>
         <p:txBody>
-          <a:bodyPr/>
-          <a:lstStyle>
-            <a:lvl1pPr>
-              <a:defRPr sz="3200"/>
-            </a:lvl1pPr>
-            <a:lvl2pPr>
-              <a:defRPr sz="2800"/>
-            </a:lvl2pPr>
-            <a:lvl3pPr>
-              <a:defRPr sz="2400"/>
-            </a:lvl3pPr>
-            <a:lvl4pPr>
-              <a:defRPr sz="2000"/>
-            </a:lvl4pPr>
-            <a:lvl5pPr>
-              <a:defRPr sz="2000"/>
-            </a:lvl5pPr>
-            <a:lvl6pPr>
-              <a:defRPr sz="2000"/>
-            </a:lvl6pPr>
-            <a:lvl7pPr>
-              <a:defRPr sz="2000"/>
-            </a:lvl7pPr>
-            <a:lvl8pPr>
-              <a:defRPr sz="2000"/>
-            </a:lvl8pPr>
-            <a:lvl9pPr>
-              <a:defRPr sz="2000"/>
-            </a:lvl9pPr>
-          </a:lstStyle>
+          <a:bodyPr anchor="ctr"/>
+          <a:lstStyle/>
           <a:p>
             <a:pPr lvl="0"/>
             <a:r>
@@ -2007,13 +4556,13 @@
               <a:rPr lang="es-ES" smtClean="0"/>
               <a:t>Quinto nivel</a:t>
             </a:r>
-            <a:endParaRPr lang="es-PE"/>
-          </a:p>
-        </p:txBody>
-      </p:sp>
-      <p:sp>
-        <p:nvSpPr>
-          <p:cNvPr id="4" name="Marcador de texto 3"/>
+            <a:endParaRPr lang="en-US" dirty="0"/>
+          </a:p>
+        </p:txBody>
+      </p:sp>
+      <p:sp>
+        <p:nvSpPr>
+          <p:cNvPr id="4" name="Text Placeholder 3"/>
           <p:cNvSpPr>
             <a:spLocks noGrp="1"/>
           </p:cNvSpPr>
@@ -2023,14 +4572,14 @@
         </p:nvSpPr>
         <p:spPr>
           <a:xfrm>
-            <a:off x="839788" y="2057400"/>
-            <a:ext cx="3932237" cy="3811588"/>
+            <a:off x="917228" y="2971800"/>
+            <a:ext cx="3932237" cy="2819399"/>
           </a:xfrm>
         </p:spPr>
         <p:txBody>
           <a:bodyPr/>
           <a:lstStyle>
-            <a:lvl1pPr marL="0" indent="0">
+            <a:lvl1pPr marL="0" indent="0" algn="ctr">
               <a:buNone/>
               <a:defRPr sz="1600"/>
             </a:lvl1pPr>
@@ -2078,7 +4627,7 @@
       </p:sp>
       <p:sp>
         <p:nvSpPr>
-          <p:cNvPr id="5" name="Marcador de fecha 4"/>
+          <p:cNvPr id="5" name="Date Placeholder 4"/>
           <p:cNvSpPr>
             <a:spLocks noGrp="1"/>
           </p:cNvSpPr>
@@ -2101,7 +4650,7 @@
       </p:sp>
       <p:sp>
         <p:nvSpPr>
-          <p:cNvPr id="6" name="Marcador de pie de página 5"/>
+          <p:cNvPr id="6" name="Footer Placeholder 5"/>
           <p:cNvSpPr>
             <a:spLocks noGrp="1"/>
           </p:cNvSpPr>
@@ -2120,7 +4669,7 @@
       </p:sp>
       <p:sp>
         <p:nvSpPr>
-          <p:cNvPr id="7" name="Marcador de número de diapositiva 6"/>
+          <p:cNvPr id="7" name="Slide Number Placeholder 6"/>
           <p:cNvSpPr>
             <a:spLocks noGrp="1"/>
           </p:cNvSpPr>
@@ -2144,7 +4693,7 @@
     </p:spTree>
     <p:extLst>
       <p:ext uri="{BB962C8B-B14F-4D97-AF65-F5344CB8AC3E}">
-        <p14:creationId xmlns:p14="http://schemas.microsoft.com/office/powerpoint/2010/main" val="357125636"/>
+        <p14:creationId xmlns:p14="http://schemas.microsoft.com/office/powerpoint/2010/main" val="4142545268"/>
       </p:ext>
     </p:extLst>
   </p:cSld>
@@ -2173,7 +4722,7 @@
       </p:grpSpPr>
       <p:sp>
         <p:nvSpPr>
-          <p:cNvPr id="2" name="Título 1"/>
+          <p:cNvPr id="2" name="Title 1"/>
           <p:cNvSpPr>
             <a:spLocks noGrp="1"/>
           </p:cNvSpPr>
@@ -2183,12 +4732,14 @@
         </p:nvSpPr>
         <p:spPr>
           <a:xfrm>
-            <a:off x="839788" y="457200"/>
-            <a:ext cx="3932237" cy="1600200"/>
+            <a:off x="917227" y="609600"/>
+            <a:ext cx="5929773" cy="2362200"/>
           </a:xfrm>
         </p:spPr>
         <p:txBody>
-          <a:bodyPr anchor="b"/>
+          <a:bodyPr anchor="b">
+            <a:normAutofit/>
+          </a:bodyPr>
           <a:lstStyle>
             <a:lvl1pPr>
               <a:defRPr sz="3200"/>
@@ -2199,15 +4750,15 @@
               <a:rPr lang="es-ES" smtClean="0"/>
               <a:t>Haga clic para modificar el estilo de título del patrón</a:t>
             </a:r>
-            <a:endParaRPr lang="es-PE"/>
-          </a:p>
-        </p:txBody>
-      </p:sp>
-      <p:sp>
-        <p:nvSpPr>
-          <p:cNvPr id="3" name="Marcador de posición de imagen 2"/>
-          <p:cNvSpPr>
-            <a:spLocks noGrp="1"/>
+            <a:endParaRPr lang="en-US" dirty="0"/>
+          </a:p>
+        </p:txBody>
+      </p:sp>
+      <p:sp>
+        <p:nvSpPr>
+          <p:cNvPr id="3" name="Picture Placeholder 2"/>
+          <p:cNvSpPr>
+            <a:spLocks noGrp="1" noChangeAspect="1"/>
           </p:cNvSpPr>
           <p:nvPr>
             <p:ph type="pic" idx="1"/>
@@ -2215,14 +4766,40 @@
         </p:nvSpPr>
         <p:spPr>
           <a:xfrm>
-            <a:off x="5183188" y="987425"/>
-            <a:ext cx="6172200" cy="4873625"/>
+            <a:off x="7424804" y="758881"/>
+            <a:ext cx="3255356" cy="4883038"/>
           </a:xfrm>
+          <a:noFill/>
+          <a:ln w="190500" cap="sq">
+            <a:solidFill>
+              <a:srgbClr val="FFFFFF"/>
+            </a:solidFill>
+            <a:miter lim="800000"/>
+          </a:ln>
+          <a:effectLst>
+            <a:outerShdw blurRad="55000" dist="18000" dir="5400000" algn="tl" rotWithShape="0">
+              <a:srgbClr val="000000">
+                <a:alpha val="40000"/>
+              </a:srgbClr>
+            </a:outerShdw>
+          </a:effectLst>
+          <a:scene3d>
+            <a:camera prst="orthographicFront"/>
+            <a:lightRig rig="twoPt" dir="t">
+              <a:rot lat="0" lon="0" rev="7200000"/>
+            </a:lightRig>
+          </a:scene3d>
+          <a:sp3d>
+            <a:bevelT w="25400" h="19050"/>
+            <a:contourClr>
+              <a:srgbClr val="FFFFFF"/>
+            </a:contourClr>
+          </a:sp3d>
         </p:spPr>
         <p:txBody>
-          <a:bodyPr/>
+          <a:bodyPr anchor="t"/>
           <a:lstStyle>
-            <a:lvl1pPr marL="0" indent="0">
+            <a:lvl1pPr marL="0" indent="0" algn="ctr">
               <a:buNone/>
               <a:defRPr sz="3200"/>
             </a:lvl1pPr>
@@ -2260,13 +4837,17 @@
             </a:lvl9pPr>
           </a:lstStyle>
           <a:p>
-            <a:endParaRPr lang="es-PE"/>
-          </a:p>
-        </p:txBody>
-      </p:sp>
-      <p:sp>
-        <p:nvSpPr>
-          <p:cNvPr id="4" name="Marcador de texto 3"/>
+            <a:r>
+              <a:rPr lang="es-ES" smtClean="0"/>
+              <a:t>Haga clic en el icono para agregar una imagen</a:t>
+            </a:r>
+            <a:endParaRPr lang="en-US" dirty="0"/>
+          </a:p>
+        </p:txBody>
+      </p:sp>
+      <p:sp>
+        <p:nvSpPr>
+          <p:cNvPr id="4" name="Text Placeholder 3"/>
           <p:cNvSpPr>
             <a:spLocks noGrp="1"/>
           </p:cNvSpPr>
@@ -2276,16 +4857,18 @@
         </p:nvSpPr>
         <p:spPr>
           <a:xfrm>
-            <a:off x="839788" y="2057400"/>
-            <a:ext cx="3932237" cy="3811588"/>
+            <a:off x="913794" y="2971800"/>
+            <a:ext cx="5934950" cy="2819400"/>
           </a:xfrm>
         </p:spPr>
         <p:txBody>
-          <a:bodyPr/>
+          <a:bodyPr>
+            <a:normAutofit/>
+          </a:bodyPr>
           <a:lstStyle>
-            <a:lvl1pPr marL="0" indent="0">
-              <a:buNone/>
-              <a:defRPr sz="1600"/>
+            <a:lvl1pPr marL="0" indent="0" algn="ctr">
+              <a:buNone/>
+              <a:defRPr sz="1800"/>
             </a:lvl1pPr>
             <a:lvl2pPr marL="457200" indent="0">
               <a:buNone/>
@@ -2331,7 +4914,7 @@
       </p:sp>
       <p:sp>
         <p:nvSpPr>
-          <p:cNvPr id="5" name="Marcador de fecha 4"/>
+          <p:cNvPr id="5" name="Date Placeholder 4"/>
           <p:cNvSpPr>
             <a:spLocks noGrp="1"/>
           </p:cNvSpPr>
@@ -2354,7 +4937,7 @@
       </p:sp>
       <p:sp>
         <p:nvSpPr>
-          <p:cNvPr id="6" name="Marcador de pie de página 5"/>
+          <p:cNvPr id="6" name="Footer Placeholder 5"/>
           <p:cNvSpPr>
             <a:spLocks noGrp="1"/>
           </p:cNvSpPr>
@@ -2373,7 +4956,7 @@
       </p:sp>
       <p:sp>
         <p:nvSpPr>
-          <p:cNvPr id="7" name="Marcador de número de diapositiva 6"/>
+          <p:cNvPr id="7" name="Slide Number Placeholder 6"/>
           <p:cNvSpPr>
             <a:spLocks noGrp="1"/>
           </p:cNvSpPr>
@@ -2397,7 +4980,7 @@
     </p:spTree>
     <p:extLst>
       <p:ext uri="{BB962C8B-B14F-4D97-AF65-F5344CB8AC3E}">
-        <p14:creationId xmlns:p14="http://schemas.microsoft.com/office/powerpoint/2010/main" val="2740358265"/>
+        <p14:creationId xmlns:p14="http://schemas.microsoft.com/office/powerpoint/2010/main" val="3000307590"/>
       </p:ext>
     </p:extLst>
   </p:cSld>
@@ -2411,8 +4994,8 @@
 <p:sldMaster xmlns:a="http://schemas.openxmlformats.org/drawingml/2006/main" xmlns:r="http://schemas.openxmlformats.org/officeDocument/2006/relationships" xmlns:p="http://schemas.openxmlformats.org/presentationml/2006/main">
   <p:cSld>
     <p:bg>
-      <p:bgRef idx="1001">
-        <a:schemeClr val="bg1"/>
+      <p:bgRef idx="1003">
+        <a:schemeClr val="bg2"/>
       </p:bgRef>
     </p:bg>
     <p:spTree>
@@ -2431,7 +5014,7 @@
       </p:grpSpPr>
       <p:sp>
         <p:nvSpPr>
-          <p:cNvPr id="2" name="Marcador de título 1"/>
+          <p:cNvPr id="2" name="Title Placeholder 1"/>
           <p:cNvSpPr>
             <a:spLocks noGrp="1"/>
           </p:cNvSpPr>
@@ -2441,8 +5024,8 @@
         </p:nvSpPr>
         <p:spPr>
           <a:xfrm>
-            <a:off x="838200" y="365125"/>
-            <a:ext cx="10515600" cy="1325563"/>
+            <a:off x="913795" y="609600"/>
+            <a:ext cx="10353761" cy="1326321"/>
           </a:xfrm>
           <a:prstGeom prst="rect">
             <a:avLst/>
@@ -2458,13 +5041,13 @@
               <a:rPr lang="es-ES" smtClean="0"/>
               <a:t>Haga clic para modificar el estilo de título del patrón</a:t>
             </a:r>
-            <a:endParaRPr lang="es-PE"/>
-          </a:p>
-        </p:txBody>
-      </p:sp>
-      <p:sp>
-        <p:nvSpPr>
-          <p:cNvPr id="3" name="Marcador de texto 2"/>
+            <a:endParaRPr lang="en-US" dirty="0"/>
+          </a:p>
+        </p:txBody>
+      </p:sp>
+      <p:sp>
+        <p:nvSpPr>
+          <p:cNvPr id="3" name="Text Placeholder 2"/>
           <p:cNvSpPr>
             <a:spLocks noGrp="1"/>
           </p:cNvSpPr>
@@ -2474,8 +5057,8 @@
         </p:nvSpPr>
         <p:spPr>
           <a:xfrm>
-            <a:off x="838200" y="1825625"/>
-            <a:ext cx="10515600" cy="4351338"/>
+            <a:off x="913795" y="2096064"/>
+            <a:ext cx="10353762" cy="3695136"/>
           </a:xfrm>
           <a:prstGeom prst="rect">
             <a:avLst/>
@@ -2520,13 +5103,13 @@
               <a:rPr lang="es-ES" smtClean="0"/>
               <a:t>Quinto nivel</a:t>
             </a:r>
-            <a:endParaRPr lang="es-PE"/>
-          </a:p>
-        </p:txBody>
-      </p:sp>
-      <p:sp>
-        <p:nvSpPr>
-          <p:cNvPr id="4" name="Marcador de fecha 3"/>
+            <a:endParaRPr lang="en-US" dirty="0"/>
+          </a:p>
+        </p:txBody>
+      </p:sp>
+      <p:sp>
+        <p:nvSpPr>
+          <p:cNvPr id="4" name="Date Placeholder 3"/>
           <p:cNvSpPr>
             <a:spLocks noGrp="1"/>
           </p:cNvSpPr>
@@ -2536,7 +5119,7 @@
         </p:nvSpPr>
         <p:spPr>
           <a:xfrm>
-            <a:off x="838200" y="6356350"/>
+            <a:off x="7678736" y="5883275"/>
             <a:ext cx="2743200" cy="365125"/>
           </a:xfrm>
           <a:prstGeom prst="rect">
@@ -2546,8 +5129,8 @@
         <p:txBody>
           <a:bodyPr vert="horz" lIns="91440" tIns="45720" rIns="91440" bIns="45720" rtlCol="0" anchor="ctr"/>
           <a:lstStyle>
-            <a:lvl1pPr algn="l">
-              <a:defRPr sz="1200">
+            <a:lvl1pPr algn="r">
+              <a:defRPr sz="1000">
                 <a:solidFill>
                   <a:schemeClr val="tx1">
                     <a:tint val="75000"/>
@@ -2567,7 +5150,7 @@
       </p:sp>
       <p:sp>
         <p:nvSpPr>
-          <p:cNvPr id="5" name="Marcador de pie de página 4"/>
+          <p:cNvPr id="5" name="Footer Placeholder 4"/>
           <p:cNvSpPr>
             <a:spLocks noGrp="1"/>
           </p:cNvSpPr>
@@ -2577,8 +5160,8 @@
         </p:nvSpPr>
         <p:spPr>
           <a:xfrm>
-            <a:off x="4038600" y="6356350"/>
-            <a:ext cx="4114800" cy="365125"/>
+            <a:off x="913794" y="5883275"/>
+            <a:ext cx="6672865" cy="365125"/>
           </a:xfrm>
           <a:prstGeom prst="rect">
             <a:avLst/>
@@ -2587,8 +5170,8 @@
         <p:txBody>
           <a:bodyPr vert="horz" lIns="91440" tIns="45720" rIns="91440" bIns="45720" rtlCol="0" anchor="ctr"/>
           <a:lstStyle>
-            <a:lvl1pPr algn="ctr">
-              <a:defRPr sz="1200">
+            <a:lvl1pPr algn="l">
+              <a:defRPr sz="1000">
                 <a:solidFill>
                   <a:schemeClr val="tx1">
                     <a:tint val="75000"/>
@@ -2604,7 +5187,7 @@
       </p:sp>
       <p:sp>
         <p:nvSpPr>
-          <p:cNvPr id="6" name="Marcador de número de diapositiva 5"/>
+          <p:cNvPr id="6" name="Slide Number Placeholder 5"/>
           <p:cNvSpPr>
             <a:spLocks noGrp="1"/>
           </p:cNvSpPr>
@@ -2614,8 +5197,8 @@
         </p:nvSpPr>
         <p:spPr>
           <a:xfrm>
-            <a:off x="8610600" y="6356350"/>
-            <a:ext cx="2743200" cy="365125"/>
+            <a:off x="10514011" y="5883275"/>
+            <a:ext cx="753545" cy="365125"/>
           </a:xfrm>
           <a:prstGeom prst="rect">
             <a:avLst/>
@@ -2625,7 +5208,7 @@
           <a:bodyPr vert="horz" lIns="91440" tIns="45720" rIns="91440" bIns="45720" rtlCol="0" anchor="ctr"/>
           <a:lstStyle>
             <a:lvl1pPr algn="r">
-              <a:defRPr sz="1200">
+              <a:defRPr sz="1000">
                 <a:solidFill>
                   <a:schemeClr val="tx1">
                     <a:tint val="75000"/>
@@ -2646,27 +5229,33 @@
     </p:spTree>
     <p:extLst>
       <p:ext uri="{BB962C8B-B14F-4D97-AF65-F5344CB8AC3E}">
-        <p14:creationId xmlns:p14="http://schemas.microsoft.com/office/powerpoint/2010/main" val="1887627822"/>
+        <p14:creationId xmlns:p14="http://schemas.microsoft.com/office/powerpoint/2010/main" val="2973558208"/>
       </p:ext>
     </p:extLst>
   </p:cSld>
-  <p:clrMap bg1="lt1" tx1="dk1" bg2="lt2" tx2="dk2" accent1="accent1" accent2="accent2" accent3="accent3" accent4="accent4" accent5="accent5" accent6="accent6" hlink="hlink" folHlink="folHlink"/>
+  <p:clrMap bg1="dk1" tx1="lt1" bg2="dk2" tx2="lt2" accent1="accent1" accent2="accent2" accent3="accent3" accent4="accent4" accent5="accent5" accent6="accent6" hlink="hlink" folHlink="folHlink"/>
   <p:sldLayoutIdLst>
-    <p:sldLayoutId id="2147483649" r:id="rId1"/>
-    <p:sldLayoutId id="2147483650" r:id="rId2"/>
-    <p:sldLayoutId id="2147483651" r:id="rId3"/>
-    <p:sldLayoutId id="2147483652" r:id="rId4"/>
-    <p:sldLayoutId id="2147483653" r:id="rId5"/>
-    <p:sldLayoutId id="2147483654" r:id="rId6"/>
-    <p:sldLayoutId id="2147483655" r:id="rId7"/>
-    <p:sldLayoutId id="2147483656" r:id="rId8"/>
-    <p:sldLayoutId id="2147483657" r:id="rId9"/>
-    <p:sldLayoutId id="2147483658" r:id="rId10"/>
-    <p:sldLayoutId id="2147483659" r:id="rId11"/>
+    <p:sldLayoutId id="2147483661" r:id="rId1"/>
+    <p:sldLayoutId id="2147483662" r:id="rId2"/>
+    <p:sldLayoutId id="2147483663" r:id="rId3"/>
+    <p:sldLayoutId id="2147483664" r:id="rId4"/>
+    <p:sldLayoutId id="2147483665" r:id="rId5"/>
+    <p:sldLayoutId id="2147483666" r:id="rId6"/>
+    <p:sldLayoutId id="2147483667" r:id="rId7"/>
+    <p:sldLayoutId id="2147483668" r:id="rId8"/>
+    <p:sldLayoutId id="2147483669" r:id="rId9"/>
+    <p:sldLayoutId id="2147483670" r:id="rId10"/>
+    <p:sldLayoutId id="2147483671" r:id="rId11"/>
+    <p:sldLayoutId id="2147483672" r:id="rId12"/>
+    <p:sldLayoutId id="2147483673" r:id="rId13"/>
+    <p:sldLayoutId id="2147483674" r:id="rId14"/>
+    <p:sldLayoutId id="2147483675" r:id="rId15"/>
+    <p:sldLayoutId id="2147483676" r:id="rId16"/>
+    <p:sldLayoutId id="2147483677" r:id="rId17"/>
   </p:sldLayoutIdLst>
   <p:txStyles>
     <p:titleStyle>
-      <a:lvl1pPr algn="l" defTabSz="914400" rtl="0" eaLnBrk="1" latinLnBrk="0" hangingPunct="1">
+      <a:lvl1pPr algn="ctr" defTabSz="914400" rtl="0" eaLnBrk="1" latinLnBrk="0" hangingPunct="1">
         <a:lnSpc>
           <a:spcPct val="90000"/>
         </a:lnSpc>
@@ -2674,10 +5263,17 @@
           <a:spcPct val="0"/>
         </a:spcBef>
         <a:buNone/>
-        <a:defRPr sz="4400" kern="1200">
+        <a:defRPr sz="3400" b="1" i="0" kern="1200" cap="all">
           <a:solidFill>
             <a:schemeClr val="tx1"/>
           </a:solidFill>
+          <a:effectLst>
+            <a:outerShdw blurRad="50800" dist="63500" dir="2700000" algn="tl" rotWithShape="0">
+              <a:srgbClr val="000000">
+                <a:alpha val="48000"/>
+              </a:srgbClr>
+            </a:outerShdw>
+          </a:effectLst>
           <a:latin typeface="+mj-lt"/>
           <a:ea typeface="+mj-ea"/>
           <a:cs typeface="+mj-cs"/>
@@ -2687,17 +5283,24 @@
     <p:bodyStyle>
       <a:lvl1pPr marL="228600" indent="-228600" algn="l" defTabSz="914400" rtl="0" eaLnBrk="1" latinLnBrk="0" hangingPunct="1">
         <a:lnSpc>
-          <a:spcPct val="90000"/>
+          <a:spcPct val="120000"/>
         </a:lnSpc>
         <a:spcBef>
           <a:spcPts val="1000"/>
         </a:spcBef>
         <a:buFont typeface="Arial" panose="020B0604020202020204" pitchFamily="34" charset="0"/>
         <a:buChar char="•"/>
-        <a:defRPr sz="2800" kern="1200">
+        <a:defRPr sz="2000" kern="1200">
           <a:solidFill>
             <a:schemeClr val="tx1"/>
           </a:solidFill>
+          <a:effectLst>
+            <a:outerShdw blurRad="50800" dist="38100" dir="2700000" algn="tl" rotWithShape="0">
+              <a:srgbClr val="000000">
+                <a:alpha val="48000"/>
+              </a:srgbClr>
+            </a:outerShdw>
+          </a:effectLst>
           <a:latin typeface="+mn-lt"/>
           <a:ea typeface="+mn-ea"/>
           <a:cs typeface="+mn-cs"/>
@@ -2705,43 +5308,7 @@
       </a:lvl1pPr>
       <a:lvl2pPr marL="685800" indent="-228600" algn="l" defTabSz="914400" rtl="0" eaLnBrk="1" latinLnBrk="0" hangingPunct="1">
         <a:lnSpc>
-          <a:spcPct val="90000"/>
-        </a:lnSpc>
-        <a:spcBef>
-          <a:spcPts val="500"/>
-        </a:spcBef>
-        <a:buFont typeface="Arial" panose="020B0604020202020204" pitchFamily="34" charset="0"/>
-        <a:buChar char="•"/>
-        <a:defRPr sz="2400" kern="1200">
-          <a:solidFill>
-            <a:schemeClr val="tx1"/>
-          </a:solidFill>
-          <a:latin typeface="+mn-lt"/>
-          <a:ea typeface="+mn-ea"/>
-          <a:cs typeface="+mn-cs"/>
-        </a:defRPr>
-      </a:lvl2pPr>
-      <a:lvl3pPr marL="1143000" indent="-228600" algn="l" defTabSz="914400" rtl="0" eaLnBrk="1" latinLnBrk="0" hangingPunct="1">
-        <a:lnSpc>
-          <a:spcPct val="90000"/>
-        </a:lnSpc>
-        <a:spcBef>
-          <a:spcPts val="500"/>
-        </a:spcBef>
-        <a:buFont typeface="Arial" panose="020B0604020202020204" pitchFamily="34" charset="0"/>
-        <a:buChar char="•"/>
-        <a:defRPr sz="2000" kern="1200">
-          <a:solidFill>
-            <a:schemeClr val="tx1"/>
-          </a:solidFill>
-          <a:latin typeface="+mn-lt"/>
-          <a:ea typeface="+mn-ea"/>
-          <a:cs typeface="+mn-cs"/>
-        </a:defRPr>
-      </a:lvl3pPr>
-      <a:lvl4pPr marL="1600200" indent="-228600" algn="l" defTabSz="914400" rtl="0" eaLnBrk="1" latinLnBrk="0" hangingPunct="1">
-        <a:lnSpc>
-          <a:spcPct val="90000"/>
+          <a:spcPct val="120000"/>
         </a:lnSpc>
         <a:spcBef>
           <a:spcPts val="500"/>
@@ -2752,6 +5319,63 @@
           <a:solidFill>
             <a:schemeClr val="tx1"/>
           </a:solidFill>
+          <a:effectLst>
+            <a:outerShdw blurRad="50800" dist="38100" dir="2700000" algn="tl" rotWithShape="0">
+              <a:srgbClr val="000000">
+                <a:alpha val="48000"/>
+              </a:srgbClr>
+            </a:outerShdw>
+          </a:effectLst>
+          <a:latin typeface="+mn-lt"/>
+          <a:ea typeface="+mn-ea"/>
+          <a:cs typeface="+mn-cs"/>
+        </a:defRPr>
+      </a:lvl2pPr>
+      <a:lvl3pPr marL="1143000" indent="-228600" algn="l" defTabSz="914400" rtl="0" eaLnBrk="1" latinLnBrk="0" hangingPunct="1">
+        <a:lnSpc>
+          <a:spcPct val="120000"/>
+        </a:lnSpc>
+        <a:spcBef>
+          <a:spcPts val="500"/>
+        </a:spcBef>
+        <a:buFont typeface="Arial" panose="020B0604020202020204" pitchFamily="34" charset="0"/>
+        <a:buChar char="•"/>
+        <a:defRPr sz="1600" kern="1200">
+          <a:solidFill>
+            <a:schemeClr val="tx1"/>
+          </a:solidFill>
+          <a:effectLst>
+            <a:outerShdw blurRad="50800" dist="38100" dir="2700000" algn="tl" rotWithShape="0">
+              <a:srgbClr val="000000">
+                <a:alpha val="48000"/>
+              </a:srgbClr>
+            </a:outerShdw>
+          </a:effectLst>
+          <a:latin typeface="+mn-lt"/>
+          <a:ea typeface="+mn-ea"/>
+          <a:cs typeface="+mn-cs"/>
+        </a:defRPr>
+      </a:lvl3pPr>
+      <a:lvl4pPr marL="1600200" indent="-228600" algn="l" defTabSz="914400" rtl="0" eaLnBrk="1" latinLnBrk="0" hangingPunct="1">
+        <a:lnSpc>
+          <a:spcPct val="120000"/>
+        </a:lnSpc>
+        <a:spcBef>
+          <a:spcPts val="500"/>
+        </a:spcBef>
+        <a:buFont typeface="Arial" panose="020B0604020202020204" pitchFamily="34" charset="0"/>
+        <a:buChar char="•"/>
+        <a:defRPr sz="1400" kern="1200">
+          <a:solidFill>
+            <a:schemeClr val="tx1"/>
+          </a:solidFill>
+          <a:effectLst>
+            <a:outerShdw blurRad="50800" dist="38100" dir="2700000" algn="tl" rotWithShape="0">
+              <a:srgbClr val="000000">
+                <a:alpha val="48000"/>
+              </a:srgbClr>
+            </a:outerShdw>
+          </a:effectLst>
           <a:latin typeface="+mn-lt"/>
           <a:ea typeface="+mn-ea"/>
           <a:cs typeface="+mn-cs"/>
@@ -2759,17 +5383,24 @@
       </a:lvl4pPr>
       <a:lvl5pPr marL="2057400" indent="-228600" algn="l" defTabSz="914400" rtl="0" eaLnBrk="1" latinLnBrk="0" hangingPunct="1">
         <a:lnSpc>
-          <a:spcPct val="90000"/>
+          <a:spcPct val="120000"/>
         </a:lnSpc>
         <a:spcBef>
           <a:spcPts val="500"/>
         </a:spcBef>
         <a:buFont typeface="Arial" panose="020B0604020202020204" pitchFamily="34" charset="0"/>
         <a:buChar char="•"/>
-        <a:defRPr sz="1800" kern="1200">
+        <a:defRPr sz="1200" kern="1200">
           <a:solidFill>
             <a:schemeClr val="tx1"/>
           </a:solidFill>
+          <a:effectLst>
+            <a:outerShdw blurRad="50800" dist="38100" dir="2700000" algn="tl" rotWithShape="0">
+              <a:srgbClr val="000000">
+                <a:alpha val="48000"/>
+              </a:srgbClr>
+            </a:outerShdw>
+          </a:effectLst>
           <a:latin typeface="+mn-lt"/>
           <a:ea typeface="+mn-ea"/>
           <a:cs typeface="+mn-cs"/>
@@ -2777,17 +5408,24 @@
       </a:lvl5pPr>
       <a:lvl6pPr marL="2514600" indent="-228600" algn="l" defTabSz="914400" rtl="0" eaLnBrk="1" latinLnBrk="0" hangingPunct="1">
         <a:lnSpc>
-          <a:spcPct val="90000"/>
+          <a:spcPct val="120000"/>
         </a:lnSpc>
         <a:spcBef>
           <a:spcPts val="500"/>
         </a:spcBef>
         <a:buFont typeface="Arial" panose="020B0604020202020204" pitchFamily="34" charset="0"/>
         <a:buChar char="•"/>
-        <a:defRPr sz="1800" kern="1200">
+        <a:defRPr sz="1200" kern="1200">
           <a:solidFill>
             <a:schemeClr val="tx1"/>
           </a:solidFill>
+          <a:effectLst>
+            <a:outerShdw blurRad="50800" dist="38100" dir="2700000" algn="tl" rotWithShape="0">
+              <a:srgbClr val="000000">
+                <a:alpha val="48000"/>
+              </a:srgbClr>
+            </a:outerShdw>
+          </a:effectLst>
           <a:latin typeface="+mn-lt"/>
           <a:ea typeface="+mn-ea"/>
           <a:cs typeface="+mn-cs"/>
@@ -2795,17 +5433,24 @@
       </a:lvl6pPr>
       <a:lvl7pPr marL="2971800" indent="-228600" algn="l" defTabSz="914400" rtl="0" eaLnBrk="1" latinLnBrk="0" hangingPunct="1">
         <a:lnSpc>
-          <a:spcPct val="90000"/>
+          <a:spcPct val="120000"/>
         </a:lnSpc>
         <a:spcBef>
           <a:spcPts val="500"/>
         </a:spcBef>
         <a:buFont typeface="Arial" panose="020B0604020202020204" pitchFamily="34" charset="0"/>
         <a:buChar char="•"/>
-        <a:defRPr sz="1800" kern="1200">
+        <a:defRPr sz="1200" kern="1200">
           <a:solidFill>
             <a:schemeClr val="tx1"/>
           </a:solidFill>
+          <a:effectLst>
+            <a:outerShdw blurRad="50800" dist="38100" dir="2700000" algn="tl" rotWithShape="0">
+              <a:srgbClr val="000000">
+                <a:alpha val="48000"/>
+              </a:srgbClr>
+            </a:outerShdw>
+          </a:effectLst>
           <a:latin typeface="+mn-lt"/>
           <a:ea typeface="+mn-ea"/>
           <a:cs typeface="+mn-cs"/>
@@ -2813,17 +5458,24 @@
       </a:lvl7pPr>
       <a:lvl8pPr marL="3429000" indent="-228600" algn="l" defTabSz="914400" rtl="0" eaLnBrk="1" latinLnBrk="0" hangingPunct="1">
         <a:lnSpc>
-          <a:spcPct val="90000"/>
+          <a:spcPct val="120000"/>
         </a:lnSpc>
         <a:spcBef>
           <a:spcPts val="500"/>
         </a:spcBef>
         <a:buFont typeface="Arial" panose="020B0604020202020204" pitchFamily="34" charset="0"/>
         <a:buChar char="•"/>
-        <a:defRPr sz="1800" kern="1200">
+        <a:defRPr sz="1200" kern="1200">
           <a:solidFill>
             <a:schemeClr val="tx1"/>
           </a:solidFill>
+          <a:effectLst>
+            <a:outerShdw blurRad="50800" dist="38100" dir="2700000" algn="tl" rotWithShape="0">
+              <a:srgbClr val="000000">
+                <a:alpha val="48000"/>
+              </a:srgbClr>
+            </a:outerShdw>
+          </a:effectLst>
           <a:latin typeface="+mn-lt"/>
           <a:ea typeface="+mn-ea"/>
           <a:cs typeface="+mn-cs"/>
@@ -2831,17 +5483,24 @@
       </a:lvl8pPr>
       <a:lvl9pPr marL="3886200" indent="-228600" algn="l" defTabSz="914400" rtl="0" eaLnBrk="1" latinLnBrk="0" hangingPunct="1">
         <a:lnSpc>
-          <a:spcPct val="90000"/>
+          <a:spcPct val="120000"/>
         </a:lnSpc>
         <a:spcBef>
           <a:spcPts val="500"/>
         </a:spcBef>
         <a:buFont typeface="Arial" panose="020B0604020202020204" pitchFamily="34" charset="0"/>
         <a:buChar char="•"/>
-        <a:defRPr sz="1800" kern="1200">
+        <a:defRPr sz="1200" kern="1200">
           <a:solidFill>
             <a:schemeClr val="tx1"/>
           </a:solidFill>
+          <a:effectLst>
+            <a:outerShdw blurRad="50800" dist="38100" dir="2700000" algn="tl" rotWithShape="0">
+              <a:srgbClr val="000000">
+                <a:alpha val="48000"/>
+              </a:srgbClr>
+            </a:outerShdw>
+          </a:effectLst>
           <a:latin typeface="+mn-lt"/>
           <a:ea typeface="+mn-ea"/>
           <a:cs typeface="+mn-cs"/>
@@ -2850,7 +5509,7 @@
     </p:bodyStyle>
     <p:otherStyle>
       <a:defPPr>
-        <a:defRPr lang="es-PE"/>
+        <a:defRPr lang="en-US"/>
       </a:defPPr>
       <a:lvl1pPr marL="0" algn="l" defTabSz="914400" rtl="0" eaLnBrk="1" latinLnBrk="0" hangingPunct="1">
         <a:defRPr sz="1800" kern="1200">
@@ -3019,10 +5678,86 @@
 </p:sld>
 </file>
 
+<file path=ppt/slides/slide2.xml><?xml version="1.0" encoding="utf-8"?>
+<p:sld xmlns:a="http://schemas.openxmlformats.org/drawingml/2006/main" xmlns:r="http://schemas.openxmlformats.org/officeDocument/2006/relationships" xmlns:p="http://schemas.openxmlformats.org/presentationml/2006/main">
+  <p:cSld>
+    <p:spTree>
+      <p:nvGrpSpPr>
+        <p:cNvPr id="1" name=""/>
+        <p:cNvGrpSpPr/>
+        <p:nvPr/>
+      </p:nvGrpSpPr>
+      <p:grpSpPr>
+        <a:xfrm>
+          <a:off x="0" y="0"/>
+          <a:ext cx="0" cy="0"/>
+          <a:chOff x="0" y="0"/>
+          <a:chExt cx="0" cy="0"/>
+        </a:xfrm>
+      </p:grpSpPr>
+      <p:sp>
+        <p:nvSpPr>
+          <p:cNvPr id="2" name="Título 1"/>
+          <p:cNvSpPr>
+            <a:spLocks noGrp="1"/>
+          </p:cNvSpPr>
+          <p:nvPr>
+            <p:ph type="title"/>
+          </p:nvPr>
+        </p:nvSpPr>
+        <p:spPr/>
+        <p:txBody>
+          <a:bodyPr/>
+          <a:lstStyle/>
+          <a:p>
+            <a:r>
+              <a:rPr lang="es-PE" dirty="0" smtClean="0"/>
+              <a:t>Casos de uso</a:t>
+            </a:r>
+            <a:endParaRPr lang="es-PE" dirty="0"/>
+          </a:p>
+        </p:txBody>
+      </p:sp>
+      <p:sp>
+        <p:nvSpPr>
+          <p:cNvPr id="3" name="Marcador de contenido 2"/>
+          <p:cNvSpPr>
+            <a:spLocks noGrp="1"/>
+          </p:cNvSpPr>
+          <p:nvPr>
+            <p:ph idx="1"/>
+          </p:nvPr>
+        </p:nvSpPr>
+        <p:spPr/>
+        <p:txBody>
+          <a:bodyPr/>
+          <a:lstStyle/>
+          <a:p>
+            <a:r>
+              <a:rPr lang="es-PE" dirty="0" smtClean="0"/>
+              <a:t>1- Cualquier descripción</a:t>
+            </a:r>
+            <a:endParaRPr lang="es-PE" dirty="0"/>
+          </a:p>
+        </p:txBody>
+      </p:sp>
+    </p:spTree>
+    <p:extLst>
+      <p:ext uri="{BB962C8B-B14F-4D97-AF65-F5344CB8AC3E}">
+        <p14:creationId xmlns:p14="http://schemas.microsoft.com/office/powerpoint/2010/main" val="1122409463"/>
+      </p:ext>
+    </p:extLst>
+  </p:cSld>
+  <p:clrMapOvr>
+    <a:masterClrMapping/>
+  </p:clrMapOvr>
+</p:sld>
+</file>
+
 <file path=ppt/theme/theme1.xml><?xml version="1.0" encoding="utf-8"?>
-<a:theme xmlns:a="http://schemas.openxmlformats.org/drawingml/2006/main" name="Tema de Office">
+<a:theme xmlns:a="http://schemas.openxmlformats.org/drawingml/2006/main" name="Damask">
   <a:themeElements>
-    <a:clrScheme name="Office">
+    <a:clrScheme name="Damask">
       <a:dk1>
         <a:sysClr val="windowText" lastClr="000000"/>
       </a:dk1>
@@ -3030,44 +5765,44 @@
         <a:sysClr val="window" lastClr="FFFFFF"/>
       </a:lt1>
       <a:dk2>
-        <a:srgbClr val="44546A"/>
+        <a:srgbClr val="2A5B7F"/>
       </a:dk2>
       <a:lt2>
-        <a:srgbClr val="E7E6E6"/>
+        <a:srgbClr val="ABDAFC"/>
       </a:lt2>
       <a:accent1>
-        <a:srgbClr val="5B9BD5"/>
+        <a:srgbClr val="9EC544"/>
       </a:accent1>
       <a:accent2>
-        <a:srgbClr val="ED7D31"/>
+        <a:srgbClr val="50BEA3"/>
       </a:accent2>
       <a:accent3>
-        <a:srgbClr val="A5A5A5"/>
+        <a:srgbClr val="4A9CCC"/>
       </a:accent3>
       <a:accent4>
-        <a:srgbClr val="FFC000"/>
+        <a:srgbClr val="9A66CA"/>
       </a:accent4>
       <a:accent5>
-        <a:srgbClr val="4472C4"/>
+        <a:srgbClr val="C54F71"/>
       </a:accent5>
       <a:accent6>
-        <a:srgbClr val="70AD47"/>
+        <a:srgbClr val="DE9C3C"/>
       </a:accent6>
       <a:hlink>
-        <a:srgbClr val="0563C1"/>
+        <a:srgbClr val="6BA9DA"/>
       </a:hlink>
       <a:folHlink>
-        <a:srgbClr val="954F72"/>
+        <a:srgbClr val="A0BCD3"/>
       </a:folHlink>
     </a:clrScheme>
-    <a:fontScheme name="Office">
+    <a:fontScheme name="Damask">
       <a:majorFont>
-        <a:latin typeface="Calibri Light" panose="020F0302020204030204"/>
+        <a:latin typeface="Bookman Old Style" panose="02050604050505020204"/>
         <a:ea typeface=""/>
         <a:cs typeface=""/>
-        <a:font script="Jpan" typeface="游ゴシック Light"/>
+        <a:font script="Jpan" typeface="ＭＳ Ｐゴシック"/>
         <a:font script="Hang" typeface="맑은 고딕"/>
-        <a:font script="Hans" typeface="等线 Light"/>
+        <a:font script="Hans" typeface="宋体"/>
         <a:font script="Hant" typeface="新細明體"/>
         <a:font script="Arab" typeface="Times New Roman"/>
         <a:font script="Hebr" typeface="Times New Roman"/>
@@ -3097,12 +5832,12 @@
         <a:font script="Geor" typeface="Sylfaen"/>
       </a:majorFont>
       <a:minorFont>
-        <a:latin typeface="Calibri" panose="020F0502020204030204"/>
+        <a:latin typeface="Rockwell" panose="02060603020205020403"/>
         <a:ea typeface=""/>
         <a:cs typeface=""/>
-        <a:font script="Jpan" typeface="游ゴシック"/>
+        <a:font script="Jpan" typeface="ＭＳ Ｐゴシック"/>
         <a:font script="Hang" typeface="맑은 고딕"/>
-        <a:font script="Hans" typeface="等线"/>
+        <a:font script="Hans" typeface="宋体"/>
         <a:font script="Hant" typeface="新細明體"/>
         <a:font script="Arab" typeface="Arial"/>
         <a:font script="Hebr" typeface="Arial"/>
@@ -3132,7 +5867,7 @@
         <a:font script="Geor" typeface="Sylfaen"/>
       </a:minorFont>
     </a:fontScheme>
-    <a:fmtScheme name="Office">
+    <a:fmtScheme name="Damask">
       <a:fillStyleLst>
         <a:solidFill>
           <a:schemeClr val="phClr"/>
@@ -3141,23 +5876,16 @@
           <a:gsLst>
             <a:gs pos="0">
               <a:schemeClr val="phClr">
+                <a:tint val="48000"/>
+                <a:satMod val="105000"/>
                 <a:lumMod val="110000"/>
-                <a:satMod val="105000"/>
-                <a:tint val="67000"/>
-              </a:schemeClr>
-            </a:gs>
-            <a:gs pos="50000">
-              <a:schemeClr val="phClr">
-                <a:lumMod val="105000"/>
-                <a:satMod val="103000"/>
-                <a:tint val="73000"/>
               </a:schemeClr>
             </a:gs>
             <a:gs pos="100000">
               <a:schemeClr val="phClr">
-                <a:lumMod val="105000"/>
+                <a:tint val="78000"/>
                 <a:satMod val="109000"/>
-                <a:tint val="81000"/>
+                <a:lumMod val="100000"/>
               </a:schemeClr>
             </a:gs>
           </a:gsLst>
@@ -3167,23 +5895,23 @@
           <a:gsLst>
             <a:gs pos="0">
               <a:schemeClr val="phClr">
-                <a:satMod val="103000"/>
-                <a:lumMod val="102000"/>
                 <a:tint val="94000"/>
+                <a:satMod val="100000"/>
+                <a:lumMod val="104000"/>
               </a:schemeClr>
             </a:gs>
-            <a:gs pos="50000">
+            <a:gs pos="69000">
               <a:schemeClr val="phClr">
-                <a:satMod val="110000"/>
-                <a:lumMod val="100000"/>
-                <a:shade val="100000"/>
+                <a:shade val="86000"/>
+                <a:satMod val="130000"/>
+                <a:lumMod val="102000"/>
               </a:schemeClr>
             </a:gs>
             <a:gs pos="100000">
               <a:schemeClr val="phClr">
-                <a:lumMod val="99000"/>
-                <a:satMod val="120000"/>
-                <a:shade val="78000"/>
+                <a:shade val="72000"/>
+                <a:satMod val="130000"/>
+                <a:lumMod val="100000"/>
               </a:schemeClr>
             </a:gs>
           </a:gsLst>
@@ -3191,26 +5919,23 @@
         </a:gradFill>
       </a:fillStyleLst>
       <a:lnStyleLst>
-        <a:ln w="6350" cap="flat" cmpd="sng" algn="ctr">
-          <a:solidFill>
-            <a:schemeClr val="phClr"/>
-          </a:solidFill>
-          <a:prstDash val="solid"/>
-          <a:miter lim="800000"/>
-        </a:ln>
         <a:ln w="12700" cap="flat" cmpd="sng" algn="ctr">
           <a:solidFill>
             <a:schemeClr val="phClr"/>
           </a:solidFill>
           <a:prstDash val="solid"/>
-          <a:miter lim="800000"/>
         </a:ln>
         <a:ln w="19050" cap="flat" cmpd="sng" algn="ctr">
           <a:solidFill>
             <a:schemeClr val="phClr"/>
           </a:solidFill>
           <a:prstDash val="solid"/>
-          <a:miter lim="800000"/>
+        </a:ln>
+        <a:ln w="25400" cap="flat" cmpd="sng" algn="ctr">
+          <a:solidFill>
+            <a:schemeClr val="phClr"/>
+          </a:solidFill>
+          <a:prstDash val="solid"/>
         </a:ln>
       </a:lnStyleLst>
       <a:effectStyleLst>
@@ -3218,16 +5943,31 @@
           <a:effectLst/>
         </a:effectStyle>
         <a:effectStyle>
-          <a:effectLst/>
+          <a:effectLst>
+            <a:outerShdw blurRad="50800" dist="38100" dir="5400000" sy="96000" rotWithShape="0">
+              <a:srgbClr val="000000">
+                <a:alpha val="54000"/>
+              </a:srgbClr>
+            </a:outerShdw>
+          </a:effectLst>
         </a:effectStyle>
         <a:effectStyle>
           <a:effectLst>
-            <a:outerShdw blurRad="57150" dist="19050" dir="5400000" algn="ctr" rotWithShape="0">
+            <a:outerShdw blurRad="76200" dist="38100" dir="5400000" algn="ctr" rotWithShape="0">
               <a:srgbClr val="000000">
-                <a:alpha val="63000"/>
+                <a:alpha val="76000"/>
               </a:srgbClr>
             </a:outerShdw>
           </a:effectLst>
+          <a:scene3d>
+            <a:camera prst="orthographicFront">
+              <a:rot lat="0" lon="0" rev="0"/>
+            </a:camera>
+            <a:lightRig rig="balanced" dir="t"/>
+          </a:scene3d>
+          <a:sp3d prstMaterial="matte">
+            <a:bevelT w="25400" h="25400" prst="relaxedInset"/>
+          </a:sp3d>
         </a:effectStyle>
       </a:effectStyleLst>
       <a:bgFillStyleLst>
@@ -3240,33 +5980,23 @@
             <a:satMod val="170000"/>
           </a:schemeClr>
         </a:solidFill>
-        <a:gradFill rotWithShape="1">
-          <a:gsLst>
-            <a:gs pos="0">
+        <a:blipFill rotWithShape="1">
+          <a:blip xmlns:r="http://schemas.openxmlformats.org/officeDocument/2006/relationships" r:embed="rId1">
+            <a:duotone>
               <a:schemeClr val="phClr">
-                <a:tint val="93000"/>
-                <a:satMod val="150000"/>
-                <a:shade val="98000"/>
-                <a:lumMod val="102000"/>
+                <a:shade val="18000"/>
+                <a:satMod val="160000"/>
+                <a:lumMod val="28000"/>
               </a:schemeClr>
-            </a:gs>
-            <a:gs pos="50000">
               <a:schemeClr val="phClr">
-                <a:tint val="98000"/>
-                <a:satMod val="130000"/>
-                <a:shade val="90000"/>
-                <a:lumMod val="103000"/>
+                <a:tint val="95000"/>
+                <a:satMod val="160000"/>
+                <a:lumMod val="116000"/>
               </a:schemeClr>
-            </a:gs>
-            <a:gs pos="100000">
-              <a:schemeClr val="phClr">
-                <a:shade val="63000"/>
-                <a:satMod val="120000"/>
-              </a:schemeClr>
-            </a:gs>
-          </a:gsLst>
-          <a:lin ang="5400000" scaled="0"/>
-        </a:gradFill>
+            </a:duotone>
+          </a:blip>
+          <a:stretch/>
+        </a:blipFill>
       </a:bgFillStyleLst>
     </a:fmtScheme>
   </a:themeElements>
@@ -3274,7 +6004,7 @@
   <a:extraClrSchemeLst/>
   <a:extLst>
     <a:ext uri="{05A4C25C-085E-4340-85A3-A5531E510DB2}">
-      <thm15:themeFamily xmlns:thm15="http://schemas.microsoft.com/office/thememl/2012/main" name="Office Theme" id="{62F939B6-93AF-4DB8-9C6B-D6C7DFDC589F}" vid="{4A3C46E8-61CC-4603-A589-7422A47A8E4A}"/>
+      <thm15:themeFamily xmlns:thm15="http://schemas.microsoft.com/office/thememl/2012/main" name="Damask" id="{F9A299A0-33D0-4E0F-9F3F-7163E3744208}" vid="{746EEEEA-FB6A-406B-B510-531588D54811}"/>
     </a:ext>
   </a:extLst>
 </a:theme>
